--- a/Аналитика/Проект — копия.pptx
+++ b/Аналитика/Проект — копия.pptx
@@ -295,7 +295,7 @@
           <a:p>
             <a:fld id="{4850F195-9073-42E9-ABAF-F7A381391A70}" type="datetimeFigureOut">
               <a:rPr lang="ru-RU" smtClean="0"/>
-              <a:t>15.04.2023</a:t>
+              <a:t>02.05.2023</a:t>
             </a:fld>
             <a:endParaRPr lang="ru-RU"/>
           </a:p>
@@ -493,7 +493,7 @@
           <a:p>
             <a:fld id="{4850F195-9073-42E9-ABAF-F7A381391A70}" type="datetimeFigureOut">
               <a:rPr lang="ru-RU" smtClean="0"/>
-              <a:t>15.04.2023</a:t>
+              <a:t>02.05.2023</a:t>
             </a:fld>
             <a:endParaRPr lang="ru-RU"/>
           </a:p>
@@ -701,7 +701,7 @@
           <a:p>
             <a:fld id="{4850F195-9073-42E9-ABAF-F7A381391A70}" type="datetimeFigureOut">
               <a:rPr lang="ru-RU" smtClean="0"/>
-              <a:t>15.04.2023</a:t>
+              <a:t>02.05.2023</a:t>
             </a:fld>
             <a:endParaRPr lang="ru-RU"/>
           </a:p>
@@ -899,7 +899,7 @@
           <a:p>
             <a:fld id="{4850F195-9073-42E9-ABAF-F7A381391A70}" type="datetimeFigureOut">
               <a:rPr lang="ru-RU" smtClean="0"/>
-              <a:t>15.04.2023</a:t>
+              <a:t>02.05.2023</a:t>
             </a:fld>
             <a:endParaRPr lang="ru-RU"/>
           </a:p>
@@ -1174,7 +1174,7 @@
           <a:p>
             <a:fld id="{4850F195-9073-42E9-ABAF-F7A381391A70}" type="datetimeFigureOut">
               <a:rPr lang="ru-RU" smtClean="0"/>
-              <a:t>15.04.2023</a:t>
+              <a:t>02.05.2023</a:t>
             </a:fld>
             <a:endParaRPr lang="ru-RU"/>
           </a:p>
@@ -1439,7 +1439,7 @@
           <a:p>
             <a:fld id="{4850F195-9073-42E9-ABAF-F7A381391A70}" type="datetimeFigureOut">
               <a:rPr lang="ru-RU" smtClean="0"/>
-              <a:t>15.04.2023</a:t>
+              <a:t>02.05.2023</a:t>
             </a:fld>
             <a:endParaRPr lang="ru-RU"/>
           </a:p>
@@ -1851,7 +1851,7 @@
           <a:p>
             <a:fld id="{4850F195-9073-42E9-ABAF-F7A381391A70}" type="datetimeFigureOut">
               <a:rPr lang="ru-RU" smtClean="0"/>
-              <a:t>15.04.2023</a:t>
+              <a:t>02.05.2023</a:t>
             </a:fld>
             <a:endParaRPr lang="ru-RU"/>
           </a:p>
@@ -1992,7 +1992,7 @@
           <a:p>
             <a:fld id="{4850F195-9073-42E9-ABAF-F7A381391A70}" type="datetimeFigureOut">
               <a:rPr lang="ru-RU" smtClean="0"/>
-              <a:t>15.04.2023</a:t>
+              <a:t>02.05.2023</a:t>
             </a:fld>
             <a:endParaRPr lang="ru-RU"/>
           </a:p>
@@ -2105,7 +2105,7 @@
           <a:p>
             <a:fld id="{4850F195-9073-42E9-ABAF-F7A381391A70}" type="datetimeFigureOut">
               <a:rPr lang="ru-RU" smtClean="0"/>
-              <a:t>15.04.2023</a:t>
+              <a:t>02.05.2023</a:t>
             </a:fld>
             <a:endParaRPr lang="ru-RU"/>
           </a:p>
@@ -2416,7 +2416,7 @@
           <a:p>
             <a:fld id="{4850F195-9073-42E9-ABAF-F7A381391A70}" type="datetimeFigureOut">
               <a:rPr lang="ru-RU" smtClean="0"/>
-              <a:t>15.04.2023</a:t>
+              <a:t>02.05.2023</a:t>
             </a:fld>
             <a:endParaRPr lang="ru-RU"/>
           </a:p>
@@ -2704,7 +2704,7 @@
           <a:p>
             <a:fld id="{4850F195-9073-42E9-ABAF-F7A381391A70}" type="datetimeFigureOut">
               <a:rPr lang="ru-RU" smtClean="0"/>
-              <a:t>15.04.2023</a:t>
+              <a:t>02.05.2023</a:t>
             </a:fld>
             <a:endParaRPr lang="ru-RU"/>
           </a:p>
@@ -2945,7 +2945,7 @@
           <a:p>
             <a:fld id="{4850F195-9073-42E9-ABAF-F7A381391A70}" type="datetimeFigureOut">
               <a:rPr lang="ru-RU" smtClean="0"/>
-              <a:t>15.04.2023</a:t>
+              <a:t>02.05.2023</a:t>
             </a:fld>
             <a:endParaRPr lang="ru-RU"/>
           </a:p>
@@ -3824,7 +3824,7 @@
                 <a:latin typeface="Raleway Medium" panose="020B0603030101060003" pitchFamily="34" charset="-52"/>
                 <a:ea typeface="Roboto Condensed" panose="02000000000000000000" pitchFamily="2" charset="0"/>
               </a:rPr>
-              <a:t>Сибгатуллин Ильнур Русланович</a:t>
+              <a:t>Тимлид: Сибгатуллин Ильнур Русланович</a:t>
             </a:r>
             <a:endParaRPr lang="en-US" dirty="0">
               <a:solidFill>
@@ -3851,7 +3851,7 @@
                 <a:latin typeface="Raleway Medium" panose="020B0603030101060003" pitchFamily="34" charset="-52"/>
                 <a:ea typeface="Roboto Condensed" panose="02000000000000000000" pitchFamily="2" charset="0"/>
               </a:rPr>
-              <a:t>Баталов Кирилл Дмитриевич</a:t>
+              <a:t>Аналитик: Баталов Кирилл Дмитриевич</a:t>
             </a:r>
           </a:p>
           <a:p>
@@ -3872,7 +3872,7 @@
                 <a:latin typeface="Raleway Medium" panose="020B0603030101060003" pitchFamily="34" charset="-52"/>
                 <a:ea typeface="Roboto Condensed" panose="02000000000000000000" pitchFamily="2" charset="0"/>
               </a:rPr>
-              <a:t>Корепин Степан Дмитриевич</a:t>
+              <a:t>Дизайнер: Корепин Степан Дмитриевич</a:t>
             </a:r>
           </a:p>
           <a:p>
@@ -3893,7 +3893,7 @@
                 <a:latin typeface="Raleway Medium" panose="020B0603030101060003" pitchFamily="34" charset="-52"/>
                 <a:ea typeface="Roboto Condensed" panose="02000000000000000000" pitchFamily="2" charset="0"/>
               </a:rPr>
-              <a:t>Потемкин Сергей </a:t>
+              <a:t>Разработчик: Потемкин Сергей </a:t>
             </a:r>
             <a:r>
               <a:rPr lang="ru-RU" i="0" dirty="0">

--- a/Аналитика/Проект — копия.pptx
+++ b/Аналитика/Проект — копия.pptx
@@ -6,12 +6,17 @@
   </p:sldMasterIdLst>
   <p:sldIdLst>
     <p:sldId id="256" r:id="rId2"/>
-    <p:sldId id="258" r:id="rId3"/>
+    <p:sldId id="261" r:id="rId3"/>
     <p:sldId id="257" r:id="rId4"/>
-    <p:sldId id="261" r:id="rId5"/>
-    <p:sldId id="259" r:id="rId6"/>
-    <p:sldId id="274" r:id="rId7"/>
-    <p:sldId id="275" r:id="rId8"/>
+    <p:sldId id="259" r:id="rId5"/>
+    <p:sldId id="276" r:id="rId6"/>
+    <p:sldId id="277" r:id="rId7"/>
+    <p:sldId id="279" r:id="rId8"/>
+    <p:sldId id="278" r:id="rId9"/>
+    <p:sldId id="280" r:id="rId10"/>
+    <p:sldId id="274" r:id="rId11"/>
+    <p:sldId id="275" r:id="rId12"/>
+    <p:sldId id="258" r:id="rId13"/>
   </p:sldIdLst>
   <p:sldSz cx="12192000" cy="6858000"/>
   <p:notesSz cx="6858000" cy="9144000"/>
@@ -116,16 +121,21 @@
         <p14:section name="Раздел по умолчанию" id="{B5542807-9CC4-470A-91C0-FD360103BE87}">
           <p14:sldIdLst>
             <p14:sldId id="256"/>
-            <p14:sldId id="258"/>
+            <p14:sldId id="261"/>
             <p14:sldId id="257"/>
-            <p14:sldId id="261"/>
             <p14:sldId id="259"/>
+            <p14:sldId id="276"/>
+            <p14:sldId id="277"/>
+            <p14:sldId id="279"/>
+            <p14:sldId id="278"/>
+            <p14:sldId id="280"/>
           </p14:sldIdLst>
         </p14:section>
         <p14:section name="Раздел без заголовка" id="{D75C1B3C-5EDA-4ED8-BCBD-384670FF714C}">
           <p14:sldIdLst>
             <p14:sldId id="274"/>
             <p14:sldId id="275"/>
+            <p14:sldId id="258"/>
           </p14:sldIdLst>
         </p14:section>
       </p14:sectionLst>
@@ -146,6 +156,100 @@
     </p:ext>
   </p:extLst>
 </p:presentation>
+</file>
+
+<file path=ppt/authors.xml><?xml version="1.0" encoding="utf-8"?>
+<p188:authorLst xmlns:a="http://schemas.openxmlformats.org/drawingml/2006/main" xmlns:r="http://schemas.openxmlformats.org/officeDocument/2006/relationships" xmlns:p188="http://schemas.microsoft.com/office/powerpoint/2018/8/main">
+  <p188:author id="{1F419916-0600-8FEF-8456-B61B75681033}" name="Сибгатуллин Ильнур" initials="СИ" userId="c7bfdaf033a812db" providerId="Windows Live"/>
+</p188:authorLst>
+</file>
+
+<file path=ppt/comments/modernComment_101_EDB82DB2.xml><?xml version="1.0" encoding="utf-8"?>
+<p188:cmLst xmlns:a="http://schemas.openxmlformats.org/drawingml/2006/main" xmlns:r="http://schemas.openxmlformats.org/officeDocument/2006/relationships" xmlns:p188="http://schemas.microsoft.com/office/powerpoint/2018/8/main">
+  <p188:cm id="{2F72600C-9100-4456-B342-F47D909C3669}" authorId="{1F419916-0600-8FEF-8456-B61B75681033}" created="2023-05-02T13:21:44.526">
+    <ac:deMkLst xmlns:ac="http://schemas.microsoft.com/office/drawing/2013/main/command">
+      <pc:docMk xmlns:pc="http://schemas.microsoft.com/office/powerpoint/2013/main/command"/>
+      <pc:sldMk xmlns:pc="http://schemas.microsoft.com/office/powerpoint/2013/main/command" cId="3988270514" sldId="257"/>
+      <ac:picMk id="13" creationId="{A3B4625B-FE76-4FFB-F780-B93CC9BF0C97}"/>
+    </ac:deMkLst>
+    <p188:txBody>
+      <a:bodyPr/>
+      <a:lstStyle/>
+      <a:p>
+        <a:r>
+          <a:rPr lang="ru-RU"/>
+          <a:t>Поменять на логотип</a:t>
+        </a:r>
+      </a:p>
+    </p188:txBody>
+  </p188:cm>
+</p188:cmLst>
+</file>
+
+<file path=ppt/comments/modernComment_112_93C1076.xml><?xml version="1.0" encoding="utf-8"?>
+<p188:cmLst xmlns:a="http://schemas.openxmlformats.org/drawingml/2006/main" xmlns:r="http://schemas.openxmlformats.org/officeDocument/2006/relationships" xmlns:p188="http://schemas.microsoft.com/office/powerpoint/2018/8/main">
+  <p188:cm id="{9F30AEE4-5024-40B4-8A2E-93B0A22059B0}" authorId="{1F419916-0600-8FEF-8456-B61B75681033}" created="2023-05-02T13:29:57.884">
+    <ac:deMkLst xmlns:ac="http://schemas.microsoft.com/office/drawing/2013/main/command">
+      <pc:docMk xmlns:pc="http://schemas.microsoft.com/office/powerpoint/2013/main/command"/>
+      <pc:sldMk xmlns:pc="http://schemas.microsoft.com/office/powerpoint/2013/main/command" cId="154931318" sldId="274"/>
+      <ac:spMk id="2" creationId="{3E9F00AE-4E4F-2162-1C5F-13FA2EAFE834}"/>
+    </ac:deMkLst>
+    <p188:txBody>
+      <a:bodyPr/>
+      <a:lstStyle/>
+      <a:p>
+        <a:r>
+          <a:rPr lang="ru-RU"/>
+          <a:t>С 8 подумать</a:t>
+        </a:r>
+      </a:p>
+    </p188:txBody>
+  </p188:cm>
+</p188:cmLst>
+</file>
+
+<file path=ppt/comments/modernComment_113_1B37224B.xml><?xml version="1.0" encoding="utf-8"?>
+<p188:cmLst xmlns:a="http://schemas.openxmlformats.org/drawingml/2006/main" xmlns:r="http://schemas.openxmlformats.org/officeDocument/2006/relationships" xmlns:p188="http://schemas.microsoft.com/office/powerpoint/2018/8/main">
+  <p188:cm id="{D7256756-8798-4281-8CDD-06FA05B509B2}" authorId="{1F419916-0600-8FEF-8456-B61B75681033}" created="2023-05-02T13:30:31.117">
+    <ac:deMkLst xmlns:ac="http://schemas.microsoft.com/office/drawing/2013/main/command">
+      <pc:docMk xmlns:pc="http://schemas.microsoft.com/office/powerpoint/2013/main/command"/>
+      <pc:sldMk xmlns:pc="http://schemas.microsoft.com/office/powerpoint/2013/main/command" cId="456598091" sldId="275"/>
+      <ac:spMk id="2" creationId="{99AAA4C5-1AC5-4D99-F963-6BE5ADC90924}"/>
+    </ac:deMkLst>
+    <p188:txBody>
+      <a:bodyPr/>
+      <a:lstStyle/>
+      <a:p>
+        <a:r>
+          <a:rPr lang="ru-RU"/>
+          <a:t>Для создания сервиса в основном будет использоваться ASP.NET и C#, это обоснованно наличием определенной начальной базы знаний в данных продуктах у нашей команды, а также большим объемом информации в интернете на русском языке(переведенной компанией Microsoft). Но так же, по мере необходимости, нами могут быть задействованы технологии Python и JavaScript. </a:t>
+        </a:r>
+      </a:p>
+    </p188:txBody>
+  </p188:cm>
+</p188:cmLst>
+</file>
+
+<file path=ppt/comments/modernComment_114_DF978D3F.xml><?xml version="1.0" encoding="utf-8"?>
+<p188:cmLst xmlns:a="http://schemas.openxmlformats.org/drawingml/2006/main" xmlns:r="http://schemas.openxmlformats.org/officeDocument/2006/relationships" xmlns:p188="http://schemas.microsoft.com/office/powerpoint/2018/8/main">
+  <p188:cm id="{3B672D0E-C3F4-43B7-8648-FD1830F63E22}" authorId="{1F419916-0600-8FEF-8456-B61B75681033}" created="2023-05-02T13:23:39.294">
+    <ac:deMkLst xmlns:ac="http://schemas.microsoft.com/office/drawing/2013/main/command">
+      <pc:docMk xmlns:pc="http://schemas.microsoft.com/office/powerpoint/2013/main/command"/>
+      <pc:sldMk xmlns:pc="http://schemas.microsoft.com/office/powerpoint/2013/main/command" cId="3751251263" sldId="276"/>
+      <ac:picMk id="1026" creationId="{8EDE8136-8DF5-F025-A497-2F035735703F}"/>
+    </ac:deMkLst>
+    <p188:txBody>
+      <a:bodyPr/>
+      <a:lstStyle/>
+      <a:p>
+        <a:r>
+          <a:rPr lang="ru-RU"/>
+          <a:t>Изменить цветовую гамму</a:t>
+        </a:r>
+      </a:p>
+    </p188:txBody>
+  </p188:cm>
+</p188:cmLst>
 </file>
 
 <file path=ppt/slideLayouts/slideLayout1.xml><?xml version="1.0" encoding="utf-8"?>
@@ -3703,7 +3807,507 @@
 </p:sld>
 </file>
 
-<file path=ppt/slides/slide2.xml><?xml version="1.0" encoding="utf-8"?>
+<file path=ppt/slides/slide10.xml><?xml version="1.0" encoding="utf-8"?>
+<p:sld xmlns:a="http://schemas.openxmlformats.org/drawingml/2006/main" xmlns:r="http://schemas.openxmlformats.org/officeDocument/2006/relationships" xmlns:p="http://schemas.openxmlformats.org/presentationml/2006/main">
+  <p:cSld>
+    <p:spTree>
+      <p:nvGrpSpPr>
+        <p:cNvPr id="1" name=""/>
+        <p:cNvGrpSpPr/>
+        <p:nvPr/>
+      </p:nvGrpSpPr>
+      <p:grpSpPr>
+        <a:xfrm>
+          <a:off x="0" y="0"/>
+          <a:ext cx="0" cy="0"/>
+          <a:chOff x="0" y="0"/>
+          <a:chExt cx="0" cy="0"/>
+        </a:xfrm>
+      </p:grpSpPr>
+      <p:pic>
+        <p:nvPicPr>
+          <p:cNvPr id="5" name="Рисунок 4">
+            <a:extLst>
+              <a:ext uri="{FF2B5EF4-FFF2-40B4-BE49-F238E27FC236}">
+                <a16:creationId xmlns:a16="http://schemas.microsoft.com/office/drawing/2014/main" id="{BF499F53-ECD6-B4E4-A0B8-D451B68E86DF}"/>
+              </a:ext>
+            </a:extLst>
+          </p:cNvPr>
+          <p:cNvPicPr>
+            <a:picLocks noChangeAspect="1"/>
+          </p:cNvPicPr>
+          <p:nvPr/>
+        </p:nvPicPr>
+        <p:blipFill>
+          <a:blip r:embed="rId3">
+            <a:extLst>
+              <a:ext uri="{28A0092B-C50C-407E-A947-70E740481C1C}">
+                <a14:useLocalDpi xmlns:a14="http://schemas.microsoft.com/office/drawing/2010/main" val="0"/>
+              </a:ext>
+            </a:extLst>
+          </a:blip>
+          <a:stretch>
+            <a:fillRect/>
+          </a:stretch>
+        </p:blipFill>
+        <p:spPr>
+          <a:xfrm>
+            <a:off x="8108830" y="2837102"/>
+            <a:ext cx="3740089" cy="3740089"/>
+          </a:xfrm>
+          <a:prstGeom prst="rect">
+            <a:avLst/>
+          </a:prstGeom>
+        </p:spPr>
+      </p:pic>
+      <p:sp>
+        <p:nvSpPr>
+          <p:cNvPr id="2" name="Заголовок 1">
+            <a:extLst>
+              <a:ext uri="{FF2B5EF4-FFF2-40B4-BE49-F238E27FC236}">
+                <a16:creationId xmlns:a16="http://schemas.microsoft.com/office/drawing/2014/main" id="{3E9F00AE-4E4F-2162-1C5F-13FA2EAFE834}"/>
+              </a:ext>
+            </a:extLst>
+          </p:cNvPr>
+          <p:cNvSpPr>
+            <a:spLocks noGrp="1"/>
+          </p:cNvSpPr>
+          <p:nvPr>
+            <p:ph type="title"/>
+          </p:nvPr>
+        </p:nvSpPr>
+        <p:spPr>
+          <a:xfrm>
+            <a:off x="838200" y="269784"/>
+            <a:ext cx="10515600" cy="1325563"/>
+          </a:xfrm>
+        </p:spPr>
+        <p:txBody>
+          <a:bodyPr>
+            <a:normAutofit/>
+          </a:bodyPr>
+          <a:lstStyle/>
+          <a:p>
+            <a:pPr algn="ctr"/>
+            <a:r>
+              <a:rPr lang="ru-RU" sz="5400" dirty="0">
+                <a:solidFill>
+                  <a:srgbClr val="9933FF"/>
+                </a:solidFill>
+                <a:latin typeface="Raleway ExtraBold" panose="020B0903030101060003" pitchFamily="34" charset="-52"/>
+              </a:rPr>
+              <a:t>Выводы</a:t>
+            </a:r>
+          </a:p>
+        </p:txBody>
+      </p:sp>
+      <p:sp>
+        <p:nvSpPr>
+          <p:cNvPr id="3" name="Объект 2">
+            <a:extLst>
+              <a:ext uri="{FF2B5EF4-FFF2-40B4-BE49-F238E27FC236}">
+                <a16:creationId xmlns:a16="http://schemas.microsoft.com/office/drawing/2014/main" id="{E526271E-AC75-BC70-83F0-2F4B93FA63B4}"/>
+              </a:ext>
+            </a:extLst>
+          </p:cNvPr>
+          <p:cNvSpPr>
+            <a:spLocks noGrp="1"/>
+          </p:cNvSpPr>
+          <p:nvPr>
+            <p:ph idx="1"/>
+          </p:nvPr>
+        </p:nvSpPr>
+        <p:spPr>
+          <a:xfrm>
+            <a:off x="838200" y="1479130"/>
+            <a:ext cx="10515600" cy="3812876"/>
+          </a:xfrm>
+        </p:spPr>
+        <p:txBody>
+          <a:bodyPr/>
+          <a:lstStyle/>
+          <a:p>
+            <a:pPr marL="0" indent="0">
+              <a:buNone/>
+            </a:pPr>
+            <a:r>
+              <a:rPr lang="ru-RU" sz="3600" dirty="0">
+                <a:solidFill>
+                  <a:srgbClr val="6600CC"/>
+                </a:solidFill>
+                <a:latin typeface="Raleway Medium" panose="020B0603030101060003" pitchFamily="34" charset="-52"/>
+              </a:rPr>
+              <a:t>Для успешного веб-сервиса с портфолио в первую очередь нам необходимо обеспечить:</a:t>
+            </a:r>
+          </a:p>
+          <a:p>
+            <a:r>
+              <a:rPr lang="ru-RU" dirty="0">
+                <a:solidFill>
+                  <a:srgbClr val="6600CC"/>
+                </a:solidFill>
+                <a:latin typeface="Raleway Medium" panose="020B0603030101060003" pitchFamily="34" charset="-52"/>
+              </a:rPr>
+              <a:t>Максимальное разнообразие категорий портфолио</a:t>
+            </a:r>
+          </a:p>
+          <a:p>
+            <a:r>
+              <a:rPr lang="ru-RU" dirty="0">
+                <a:solidFill>
+                  <a:srgbClr val="6600CC"/>
+                </a:solidFill>
+                <a:latin typeface="Raleway Medium" panose="020B0603030101060003" pitchFamily="34" charset="-52"/>
+              </a:rPr>
+              <a:t>Продвинутый дизайн</a:t>
+            </a:r>
+          </a:p>
+          <a:p>
+            <a:r>
+              <a:rPr lang="ru-RU" dirty="0">
+                <a:solidFill>
+                  <a:srgbClr val="6600CC"/>
+                </a:solidFill>
+                <a:latin typeface="Raleway Medium" panose="020B0603030101060003" pitchFamily="34" charset="-52"/>
+              </a:rPr>
+              <a:t>Удобный поиск</a:t>
+            </a:r>
+          </a:p>
+          <a:p>
+            <a:r>
+              <a:rPr lang="ru-RU" dirty="0">
+                <a:solidFill>
+                  <a:srgbClr val="6600CC"/>
+                </a:solidFill>
+                <a:latin typeface="Raleway Medium" panose="020B0603030101060003" pitchFamily="34" charset="-52"/>
+              </a:rPr>
+              <a:t>Наличие статистики и рекомендаций</a:t>
+            </a:r>
+          </a:p>
+          <a:p>
+            <a:r>
+              <a:rPr lang="ru-RU" dirty="0">
+                <a:solidFill>
+                  <a:srgbClr val="6600CC"/>
+                </a:solidFill>
+                <a:latin typeface="Raleway Medium" panose="020B0603030101060003" pitchFamily="34" charset="-52"/>
+              </a:rPr>
+              <a:t>Бесплатное пользование сервисом</a:t>
+            </a:r>
+          </a:p>
+          <a:p>
+            <a:pPr marL="0" indent="0">
+              <a:buNone/>
+            </a:pPr>
+            <a:endParaRPr lang="ru-RU" dirty="0">
+              <a:solidFill>
+                <a:srgbClr val="6600CC"/>
+              </a:solidFill>
+              <a:latin typeface="Raleway Medium" panose="020B0603030101060003" pitchFamily="34" charset="-52"/>
+            </a:endParaRPr>
+          </a:p>
+        </p:txBody>
+      </p:sp>
+      <p:sp>
+        <p:nvSpPr>
+          <p:cNvPr id="6" name="TextBox 5">
+            <a:extLst>
+              <a:ext uri="{FF2B5EF4-FFF2-40B4-BE49-F238E27FC236}">
+                <a16:creationId xmlns:a16="http://schemas.microsoft.com/office/drawing/2014/main" id="{AB27DE13-9F1E-11EC-DD02-029A0F574241}"/>
+              </a:ext>
+            </a:extLst>
+          </p:cNvPr>
+          <p:cNvSpPr txBox="1"/>
+          <p:nvPr/>
+        </p:nvSpPr>
+        <p:spPr>
+          <a:xfrm>
+            <a:off x="1112808" y="5163150"/>
+            <a:ext cx="5589917" cy="1477328"/>
+          </a:xfrm>
+          <a:prstGeom prst="rect">
+            <a:avLst/>
+          </a:prstGeom>
+          <a:noFill/>
+        </p:spPr>
+        <p:txBody>
+          <a:bodyPr wrap="square" rtlCol="0">
+            <a:spAutoFit/>
+          </a:bodyPr>
+          <a:lstStyle/>
+          <a:p>
+            <a:r>
+              <a:rPr lang="ru-RU" dirty="0">
+                <a:solidFill>
+                  <a:srgbClr val="6600CC"/>
+                </a:solidFill>
+                <a:latin typeface="Raleway Medium" panose="020B0603030101060003" pitchFamily="34" charset="-52"/>
+              </a:rPr>
+              <a:t>Именно максимальное разнообразие категорий портфолио должно стать нашей главной отличительной чертой</a:t>
+            </a:r>
+            <a:r>
+              <a:rPr lang="en-US" dirty="0">
+                <a:solidFill>
+                  <a:srgbClr val="6600CC"/>
+                </a:solidFill>
+                <a:latin typeface="Raleway Medium" panose="020B0603030101060003" pitchFamily="34" charset="-52"/>
+              </a:rPr>
+              <a:t>, </a:t>
+            </a:r>
+            <a:r>
+              <a:rPr lang="ru-RU" dirty="0">
+                <a:solidFill>
+                  <a:srgbClr val="6600CC"/>
+                </a:solidFill>
+                <a:latin typeface="Raleway Medium" panose="020B0603030101060003" pitchFamily="34" charset="-52"/>
+              </a:rPr>
+              <a:t>поэтому мы и выбрали такую широкую целевую аудиторию.</a:t>
+            </a:r>
+            <a:endParaRPr lang="en-US" dirty="0">
+              <a:solidFill>
+                <a:srgbClr val="6600CC"/>
+              </a:solidFill>
+              <a:latin typeface="Raleway Medium" panose="020B0603030101060003" pitchFamily="34" charset="-52"/>
+            </a:endParaRPr>
+          </a:p>
+          <a:p>
+            <a:endParaRPr lang="ru-RU" dirty="0"/>
+          </a:p>
+        </p:txBody>
+      </p:sp>
+    </p:spTree>
+    <p:extLst>
+      <p:ext uri="{BB962C8B-B14F-4D97-AF65-F5344CB8AC3E}">
+        <p14:creationId xmlns:p14="http://schemas.microsoft.com/office/powerpoint/2010/main" val="154931318"/>
+      </p:ext>
+    </p:extLst>
+  </p:cSld>
+  <p:clrMapOvr>
+    <a:masterClrMapping/>
+  </p:clrMapOvr>
+  <p:extLst>
+    <p:ext uri="{6950BFC3-D8DA-4A85-94F7-54DA5524770B}">
+      <p188:commentRel xmlns:p188="http://schemas.microsoft.com/office/powerpoint/2018/8/main" r:id="rId2"/>
+    </p:ext>
+  </p:extLst>
+</p:sld>
+</file>
+
+<file path=ppt/slides/slide11.xml><?xml version="1.0" encoding="utf-8"?>
+<p:sld xmlns:a="http://schemas.openxmlformats.org/drawingml/2006/main" xmlns:r="http://schemas.openxmlformats.org/officeDocument/2006/relationships" xmlns:p="http://schemas.openxmlformats.org/presentationml/2006/main">
+  <p:cSld>
+    <p:spTree>
+      <p:nvGrpSpPr>
+        <p:cNvPr id="1" name=""/>
+        <p:cNvGrpSpPr/>
+        <p:nvPr/>
+      </p:nvGrpSpPr>
+      <p:grpSpPr>
+        <a:xfrm>
+          <a:off x="0" y="0"/>
+          <a:ext cx="0" cy="0"/>
+          <a:chOff x="0" y="0"/>
+          <a:chExt cx="0" cy="0"/>
+        </a:xfrm>
+      </p:grpSpPr>
+      <p:sp>
+        <p:nvSpPr>
+          <p:cNvPr id="2" name="Заголовок 1">
+            <a:extLst>
+              <a:ext uri="{FF2B5EF4-FFF2-40B4-BE49-F238E27FC236}">
+                <a16:creationId xmlns:a16="http://schemas.microsoft.com/office/drawing/2014/main" id="{99AAA4C5-1AC5-4D99-F963-6BE5ADC90924}"/>
+              </a:ext>
+            </a:extLst>
+          </p:cNvPr>
+          <p:cNvSpPr>
+            <a:spLocks noGrp="1"/>
+          </p:cNvSpPr>
+          <p:nvPr>
+            <p:ph type="title"/>
+          </p:nvPr>
+        </p:nvSpPr>
+        <p:spPr/>
+        <p:txBody>
+          <a:bodyPr>
+            <a:normAutofit/>
+          </a:bodyPr>
+          <a:lstStyle/>
+          <a:p>
+            <a:pPr algn="ctr"/>
+            <a:r>
+              <a:rPr lang="ru-RU" sz="5400" dirty="0">
+                <a:solidFill>
+                  <a:srgbClr val="9933FF"/>
+                </a:solidFill>
+                <a:latin typeface="Raleway ExtraBold" panose="020B0903030101060003" pitchFamily="34" charset="-52"/>
+              </a:rPr>
+              <a:t>Стек технологий</a:t>
+            </a:r>
+          </a:p>
+        </p:txBody>
+      </p:sp>
+      <p:pic>
+        <p:nvPicPr>
+          <p:cNvPr id="5" name="Объект 4" descr="Изображение выглядит как логотип&#10;&#10;Автоматически созданное описание">
+            <a:extLst>
+              <a:ext uri="{FF2B5EF4-FFF2-40B4-BE49-F238E27FC236}">
+                <a16:creationId xmlns:a16="http://schemas.microsoft.com/office/drawing/2014/main" id="{371284C6-1063-0B0B-0D80-30E4390C311F}"/>
+              </a:ext>
+            </a:extLst>
+          </p:cNvPr>
+          <p:cNvPicPr>
+            <a:picLocks noGrp="1" noChangeAspect="1"/>
+          </p:cNvPicPr>
+          <p:nvPr>
+            <p:ph idx="1"/>
+          </p:nvPr>
+        </p:nvPicPr>
+        <p:blipFill>
+          <a:blip r:embed="rId3">
+            <a:extLst>
+              <a:ext uri="{28A0092B-C50C-407E-A947-70E740481C1C}">
+                <a14:useLocalDpi xmlns:a14="http://schemas.microsoft.com/office/drawing/2010/main" val="0"/>
+              </a:ext>
+            </a:extLst>
+          </a:blip>
+          <a:stretch>
+            <a:fillRect/>
+          </a:stretch>
+        </p:blipFill>
+        <p:spPr>
+          <a:xfrm>
+            <a:off x="10031492" y="4365319"/>
+            <a:ext cx="1730128" cy="1730128"/>
+          </a:xfrm>
+        </p:spPr>
+      </p:pic>
+      <p:pic>
+        <p:nvPicPr>
+          <p:cNvPr id="7" name="Рисунок 6">
+            <a:extLst>
+              <a:ext uri="{FF2B5EF4-FFF2-40B4-BE49-F238E27FC236}">
+                <a16:creationId xmlns:a16="http://schemas.microsoft.com/office/drawing/2014/main" id="{C4B493C6-14E4-1B69-BB2F-9A345E7AE180}"/>
+              </a:ext>
+            </a:extLst>
+          </p:cNvPr>
+          <p:cNvPicPr>
+            <a:picLocks noChangeAspect="1"/>
+          </p:cNvPicPr>
+          <p:nvPr/>
+        </p:nvPicPr>
+        <p:blipFill>
+          <a:blip r:embed="rId4">
+            <a:extLst>
+              <a:ext uri="{28A0092B-C50C-407E-A947-70E740481C1C}">
+                <a14:useLocalDpi xmlns:a14="http://schemas.microsoft.com/office/drawing/2010/main" val="0"/>
+              </a:ext>
+            </a:extLst>
+          </a:blip>
+          <a:stretch>
+            <a:fillRect/>
+          </a:stretch>
+        </p:blipFill>
+        <p:spPr>
+          <a:xfrm>
+            <a:off x="7090186" y="4261802"/>
+            <a:ext cx="1947119" cy="2133600"/>
+          </a:xfrm>
+          <a:prstGeom prst="rect">
+            <a:avLst/>
+          </a:prstGeom>
+        </p:spPr>
+      </p:pic>
+      <p:pic>
+        <p:nvPicPr>
+          <p:cNvPr id="9" name="Рисунок 8" descr="Изображение выглядит как логотип&#10;&#10;Автоматически созданное описание">
+            <a:extLst>
+              <a:ext uri="{FF2B5EF4-FFF2-40B4-BE49-F238E27FC236}">
+                <a16:creationId xmlns:a16="http://schemas.microsoft.com/office/drawing/2014/main" id="{6CF020BC-1424-F815-723D-9AECB2636C04}"/>
+              </a:ext>
+            </a:extLst>
+          </p:cNvPr>
+          <p:cNvPicPr>
+            <a:picLocks noChangeAspect="1"/>
+          </p:cNvPicPr>
+          <p:nvPr/>
+        </p:nvPicPr>
+        <p:blipFill>
+          <a:blip r:embed="rId5">
+            <a:extLst>
+              <a:ext uri="{28A0092B-C50C-407E-A947-70E740481C1C}">
+                <a14:useLocalDpi xmlns:a14="http://schemas.microsoft.com/office/drawing/2010/main" val="0"/>
+              </a:ext>
+            </a:extLst>
+          </a:blip>
+          <a:stretch>
+            <a:fillRect/>
+          </a:stretch>
+        </p:blipFill>
+        <p:spPr>
+          <a:xfrm>
+            <a:off x="533886" y="4113212"/>
+            <a:ext cx="2857500" cy="2430780"/>
+          </a:xfrm>
+          <a:prstGeom prst="rect">
+            <a:avLst/>
+          </a:prstGeom>
+        </p:spPr>
+      </p:pic>
+      <p:pic>
+        <p:nvPicPr>
+          <p:cNvPr id="11" name="Рисунок 10">
+            <a:extLst>
+              <a:ext uri="{FF2B5EF4-FFF2-40B4-BE49-F238E27FC236}">
+                <a16:creationId xmlns:a16="http://schemas.microsoft.com/office/drawing/2014/main" id="{F92A6C4B-926C-8DE1-EB32-B3882E38F01E}"/>
+              </a:ext>
+            </a:extLst>
+          </p:cNvPr>
+          <p:cNvPicPr>
+            <a:picLocks noChangeAspect="1"/>
+          </p:cNvPicPr>
+          <p:nvPr/>
+        </p:nvPicPr>
+        <p:blipFill>
+          <a:blip r:embed="rId6">
+            <a:extLst>
+              <a:ext uri="{28A0092B-C50C-407E-A947-70E740481C1C}">
+                <a14:useLocalDpi xmlns:a14="http://schemas.microsoft.com/office/drawing/2010/main" val="0"/>
+              </a:ext>
+            </a:extLst>
+          </a:blip>
+          <a:stretch>
+            <a:fillRect/>
+          </a:stretch>
+        </p:blipFill>
+        <p:spPr>
+          <a:xfrm>
+            <a:off x="4385573" y="4269469"/>
+            <a:ext cx="1710427" cy="1921828"/>
+          </a:xfrm>
+          <a:prstGeom prst="rect">
+            <a:avLst/>
+          </a:prstGeom>
+        </p:spPr>
+      </p:pic>
+    </p:spTree>
+    <p:extLst>
+      <p:ext uri="{BB962C8B-B14F-4D97-AF65-F5344CB8AC3E}">
+        <p14:creationId xmlns:p14="http://schemas.microsoft.com/office/powerpoint/2010/main" val="456598091"/>
+      </p:ext>
+    </p:extLst>
+  </p:cSld>
+  <p:clrMapOvr>
+    <a:masterClrMapping/>
+  </p:clrMapOvr>
+  <p:extLst>
+    <p:ext uri="{6950BFC3-D8DA-4A85-94F7-54DA5524770B}">
+      <p188:commentRel xmlns:p188="http://schemas.microsoft.com/office/powerpoint/2018/8/main" r:id="rId2"/>
+    </p:ext>
+  </p:extLst>
+</p:sld>
+</file>
+
+<file path=ppt/slides/slide12.xml><?xml version="1.0" encoding="utf-8"?>
 <p:sld xmlns:a="http://schemas.openxmlformats.org/drawingml/2006/main" xmlns:r="http://schemas.openxmlformats.org/officeDocument/2006/relationships" xmlns:p="http://schemas.openxmlformats.org/presentationml/2006/main">
   <p:cSld>
     <p:spTree>
@@ -4174,7 +4778,7 @@
 </p:sld>
 </file>
 
-<file path=ppt/slides/slide3.xml><?xml version="1.0" encoding="utf-8"?>
+<file path=ppt/slides/slide2.xml><?xml version="1.0" encoding="utf-8"?>
 <p:sld xmlns:a="http://schemas.openxmlformats.org/drawingml/2006/main" xmlns:r="http://schemas.openxmlformats.org/officeDocument/2006/relationships" xmlns:p="http://schemas.openxmlformats.org/presentationml/2006/main">
   <p:cSld>
     <p:bg>
@@ -4201,7 +4805,7 @@
       </p:grpSpPr>
       <p:sp useBgFill="1">
         <p:nvSpPr>
-          <p:cNvPr id="20" name="Rectangle 19">
+          <p:cNvPr id="17" name="Rectangle 16">
             <a:extLst>
               <a:ext uri="{FF2B5EF4-FFF2-40B4-BE49-F238E27FC236}">
                 <a16:creationId xmlns:a16="http://schemas.microsoft.com/office/drawing/2014/main" id="{80DF40B2-80F7-4E71-B46C-284163F3654A}"/>
@@ -4264,6 +4868,229 @@
           <p:cNvPr id="2" name="Заголовок 1">
             <a:extLst>
               <a:ext uri="{FF2B5EF4-FFF2-40B4-BE49-F238E27FC236}">
+                <a16:creationId xmlns:a16="http://schemas.microsoft.com/office/drawing/2014/main" id="{3B99AB6E-D17C-7991-12F0-FDEA5CC67B6D}"/>
+              </a:ext>
+            </a:extLst>
+          </p:cNvPr>
+          <p:cNvSpPr>
+            <a:spLocks noGrp="1"/>
+          </p:cNvSpPr>
+          <p:nvPr>
+            <p:ph type="title"/>
+          </p:nvPr>
+        </p:nvSpPr>
+        <p:spPr>
+          <a:xfrm>
+            <a:off x="615927" y="475862"/>
+            <a:ext cx="3807187" cy="2228074"/>
+          </a:xfrm>
+        </p:spPr>
+        <p:txBody>
+          <a:bodyPr>
+            <a:normAutofit/>
+          </a:bodyPr>
+          <a:lstStyle/>
+          <a:p>
+            <a:r>
+              <a:rPr lang="ru-RU" sz="5400" dirty="0">
+                <a:solidFill>
+                  <a:srgbClr val="9933FF"/>
+                </a:solidFill>
+                <a:latin typeface="Raleway ExtraBold" panose="020B0903030101060003" pitchFamily="34" charset="-52"/>
+              </a:rPr>
+              <a:t>Проблема</a:t>
+            </a:r>
+          </a:p>
+        </p:txBody>
+      </p:sp>
+      <p:sp>
+        <p:nvSpPr>
+          <p:cNvPr id="9" name="Content Placeholder 8">
+            <a:extLst>
+              <a:ext uri="{FF2B5EF4-FFF2-40B4-BE49-F238E27FC236}">
+                <a16:creationId xmlns:a16="http://schemas.microsoft.com/office/drawing/2014/main" id="{B156C28A-3F5F-BFA4-6413-6BC4DFE7A3ED}"/>
+              </a:ext>
+            </a:extLst>
+          </p:cNvPr>
+          <p:cNvSpPr>
+            <a:spLocks noGrp="1"/>
+          </p:cNvSpPr>
+          <p:nvPr>
+            <p:ph idx="1"/>
+          </p:nvPr>
+        </p:nvSpPr>
+        <p:spPr>
+          <a:xfrm>
+            <a:off x="615927" y="2156604"/>
+            <a:ext cx="4362491" cy="4032477"/>
+          </a:xfrm>
+        </p:spPr>
+        <p:txBody>
+          <a:bodyPr>
+            <a:normAutofit/>
+          </a:bodyPr>
+          <a:lstStyle/>
+          <a:p>
+            <a:pPr marL="0" indent="0">
+              <a:buNone/>
+            </a:pPr>
+            <a:r>
+              <a:rPr lang="ru-RU" sz="3200" dirty="0">
+                <a:solidFill>
+                  <a:srgbClr val="6600CC"/>
+                </a:solidFill>
+                <a:latin typeface="Raleway Medium" panose="020B0603030101060003" pitchFamily="34" charset="-52"/>
+              </a:rPr>
+              <a:t>(творческие люди) не имеют простого, функционального и доступного сайта для размещения(зачем хотят?)</a:t>
+            </a:r>
+            <a:endParaRPr lang="en-US" sz="3200" dirty="0">
+              <a:solidFill>
+                <a:srgbClr val="6600CC"/>
+              </a:solidFill>
+              <a:latin typeface="Raleway Medium" panose="020B0603030101060003" pitchFamily="34" charset="-52"/>
+            </a:endParaRPr>
+          </a:p>
+        </p:txBody>
+      </p:sp>
+      <p:pic>
+        <p:nvPicPr>
+          <p:cNvPr id="10" name="Рисунок 9" descr="Изображение выглядит как диаграмма&#10;&#10;Автоматически созданное описание">
+            <a:extLst>
+              <a:ext uri="{FF2B5EF4-FFF2-40B4-BE49-F238E27FC236}">
+                <a16:creationId xmlns:a16="http://schemas.microsoft.com/office/drawing/2014/main" id="{C17E186E-9120-5024-4B52-3E042F4C3AAE}"/>
+              </a:ext>
+            </a:extLst>
+          </p:cNvPr>
+          <p:cNvPicPr>
+            <a:picLocks noChangeAspect="1"/>
+          </p:cNvPicPr>
+          <p:nvPr/>
+        </p:nvPicPr>
+        <p:blipFill>
+          <a:blip r:embed="rId2">
+            <a:extLst>
+              <a:ext uri="{28A0092B-C50C-407E-A947-70E740481C1C}">
+                <a14:useLocalDpi xmlns:a14="http://schemas.microsoft.com/office/drawing/2010/main" val="0"/>
+              </a:ext>
+            </a:extLst>
+          </a:blip>
+          <a:stretch>
+            <a:fillRect/>
+          </a:stretch>
+        </p:blipFill>
+        <p:spPr>
+          <a:xfrm>
+            <a:off x="4978418" y="475862"/>
+            <a:ext cx="6877501" cy="5337110"/>
+          </a:xfrm>
+          <a:prstGeom prst="rect">
+            <a:avLst/>
+          </a:prstGeom>
+        </p:spPr>
+      </p:pic>
+    </p:spTree>
+    <p:extLst>
+      <p:ext uri="{BB962C8B-B14F-4D97-AF65-F5344CB8AC3E}">
+        <p14:creationId xmlns:p14="http://schemas.microsoft.com/office/powerpoint/2010/main" val="2189076392"/>
+      </p:ext>
+    </p:extLst>
+  </p:cSld>
+  <p:clrMapOvr>
+    <a:masterClrMapping/>
+  </p:clrMapOvr>
+</p:sld>
+</file>
+
+<file path=ppt/slides/slide3.xml><?xml version="1.0" encoding="utf-8"?>
+<p:sld xmlns:a="http://schemas.openxmlformats.org/drawingml/2006/main" xmlns:r="http://schemas.openxmlformats.org/officeDocument/2006/relationships" xmlns:p="http://schemas.openxmlformats.org/presentationml/2006/main">
+  <p:cSld>
+    <p:bg>
+      <p:bgPr>
+        <a:solidFill>
+          <a:schemeClr val="bg1"/>
+        </a:solidFill>
+        <a:effectLst/>
+      </p:bgPr>
+    </p:bg>
+    <p:spTree>
+      <p:nvGrpSpPr>
+        <p:cNvPr id="1" name=""/>
+        <p:cNvGrpSpPr/>
+        <p:nvPr/>
+      </p:nvGrpSpPr>
+      <p:grpSpPr>
+        <a:xfrm>
+          <a:off x="0" y="0"/>
+          <a:ext cx="0" cy="0"/>
+          <a:chOff x="0" y="0"/>
+          <a:chExt cx="0" cy="0"/>
+        </a:xfrm>
+      </p:grpSpPr>
+      <p:sp useBgFill="1">
+        <p:nvSpPr>
+          <p:cNvPr id="20" name="Rectangle 19">
+            <a:extLst>
+              <a:ext uri="{FF2B5EF4-FFF2-40B4-BE49-F238E27FC236}">
+                <a16:creationId xmlns:a16="http://schemas.microsoft.com/office/drawing/2014/main" id="{80DF40B2-80F7-4E71-B46C-284163F3654A}"/>
+              </a:ext>
+              <a:ext uri="{C183D7F6-B498-43B3-948B-1728B52AA6E4}">
+                <adec:decorative xmlns:adec="http://schemas.microsoft.com/office/drawing/2017/decorative" val="1"/>
+              </a:ext>
+            </a:extLst>
+          </p:cNvPr>
+          <p:cNvSpPr>
+            <a:spLocks noGrp="1" noRot="1" noChangeAspect="1" noMove="1" noResize="1" noEditPoints="1" noAdjustHandles="1" noChangeArrowheads="1" noChangeShapeType="1" noTextEdit="1"/>
+          </p:cNvSpPr>
+          <p:nvPr>
+            <p:extLst>
+              <p:ext uri="{386F3935-93C4-4BCD-93E2-E3B085C9AB24}">
+                <p16:designElem xmlns:p16="http://schemas.microsoft.com/office/powerpoint/2015/main" val="1"/>
+              </p:ext>
+            </p:extLst>
+          </p:nvPr>
+        </p:nvSpPr>
+        <p:spPr>
+          <a:xfrm>
+            <a:off x="-1" y="0"/>
+            <a:ext cx="12188952" cy="6858000"/>
+          </a:xfrm>
+          <a:prstGeom prst="rect">
+            <a:avLst/>
+          </a:prstGeom>
+          <a:ln>
+            <a:noFill/>
+          </a:ln>
+        </p:spPr>
+        <p:style>
+          <a:lnRef idx="2">
+            <a:schemeClr val="accent1">
+              <a:shade val="50000"/>
+            </a:schemeClr>
+          </a:lnRef>
+          <a:fillRef idx="1">
+            <a:schemeClr val="accent1"/>
+          </a:fillRef>
+          <a:effectRef idx="0">
+            <a:schemeClr val="accent1"/>
+          </a:effectRef>
+          <a:fontRef idx="minor">
+            <a:schemeClr val="lt1"/>
+          </a:fontRef>
+        </p:style>
+        <p:txBody>
+          <a:bodyPr rtlCol="0" anchor="ctr"/>
+          <a:lstStyle/>
+          <a:p>
+            <a:pPr algn="ctr"/>
+            <a:endParaRPr lang="en-US"/>
+          </a:p>
+        </p:txBody>
+      </p:sp>
+      <p:sp>
+        <p:nvSpPr>
+          <p:cNvPr id="2" name="Заголовок 1">
+            <a:extLst>
+              <a:ext uri="{FF2B5EF4-FFF2-40B4-BE49-F238E27FC236}">
                 <a16:creationId xmlns:a16="http://schemas.microsoft.com/office/drawing/2014/main" id="{3FB78D58-A922-FC50-81B6-A41385B74253}"/>
               </a:ext>
             </a:extLst>
@@ -4295,7 +5122,7 @@
                 <a:latin typeface="Raleway ExtraBold" panose="020B0903030101060003" pitchFamily="34" charset="-52"/>
                 <a:ea typeface="Roboto ExtraBold" panose="02000000000000000000" pitchFamily="2" charset="0"/>
               </a:rPr>
-              <a:t>Описание проекта</a:t>
+              <a:t>Решение</a:t>
             </a:r>
           </a:p>
         </p:txBody>
@@ -4366,7 +5193,7 @@
           <p:nvPr/>
         </p:nvPicPr>
         <p:blipFill rotWithShape="1">
-          <a:blip r:embed="rId2">
+          <a:blip r:embed="rId3">
             <a:extLst>
               <a:ext uri="{28A0092B-C50C-407E-A947-70E740481C1C}">
                 <a14:useLocalDpi xmlns:a14="http://schemas.microsoft.com/office/drawing/2010/main" val="0"/>
@@ -4402,20 +5229,17 @@
   <p:clrMapOvr>
     <a:masterClrMapping/>
   </p:clrMapOvr>
+  <p:extLst>
+    <p:ext uri="{6950BFC3-D8DA-4A85-94F7-54DA5524770B}">
+      <p188:commentRel xmlns:p188="http://schemas.microsoft.com/office/powerpoint/2018/8/main" r:id="rId2"/>
+    </p:ext>
+  </p:extLst>
 </p:sld>
 </file>
 
 <file path=ppt/slides/slide4.xml><?xml version="1.0" encoding="utf-8"?>
 <p:sld xmlns:a="http://schemas.openxmlformats.org/drawingml/2006/main" xmlns:r="http://schemas.openxmlformats.org/officeDocument/2006/relationships" xmlns:p="http://schemas.openxmlformats.org/presentationml/2006/main">
   <p:cSld>
-    <p:bg>
-      <p:bgPr>
-        <a:solidFill>
-          <a:schemeClr val="bg1"/>
-        </a:solidFill>
-        <a:effectLst/>
-      </p:bgPr>
-    </p:bg>
     <p:spTree>
       <p:nvGrpSpPr>
         <p:cNvPr id="1" name=""/>
@@ -4430,86 +5254,26 @@
           <a:chExt cx="0" cy="0"/>
         </a:xfrm>
       </p:grpSpPr>
-      <p:sp useBgFill="1">
-        <p:nvSpPr>
-          <p:cNvPr id="17" name="Rectangle 16">
-            <a:extLst>
-              <a:ext uri="{FF2B5EF4-FFF2-40B4-BE49-F238E27FC236}">
-                <a16:creationId xmlns:a16="http://schemas.microsoft.com/office/drawing/2014/main" id="{80DF40B2-80F7-4E71-B46C-284163F3654A}"/>
-              </a:ext>
-              <a:ext uri="{C183D7F6-B498-43B3-948B-1728B52AA6E4}">
-                <adec:decorative xmlns:adec="http://schemas.microsoft.com/office/drawing/2017/decorative" val="1"/>
-              </a:ext>
-            </a:extLst>
-          </p:cNvPr>
-          <p:cNvSpPr>
-            <a:spLocks noGrp="1" noRot="1" noChangeAspect="1" noMove="1" noResize="1" noEditPoints="1" noAdjustHandles="1" noChangeArrowheads="1" noChangeShapeType="1" noTextEdit="1"/>
-          </p:cNvSpPr>
-          <p:nvPr>
-            <p:extLst>
-              <p:ext uri="{386F3935-93C4-4BCD-93E2-E3B085C9AB24}">
-                <p16:designElem xmlns:p16="http://schemas.microsoft.com/office/powerpoint/2015/main" val="1"/>
-              </p:ext>
-            </p:extLst>
+      <p:sp>
+        <p:nvSpPr>
+          <p:cNvPr id="2" name="Заголовок 1">
+            <a:extLst>
+              <a:ext uri="{FF2B5EF4-FFF2-40B4-BE49-F238E27FC236}">
+                <a16:creationId xmlns:a16="http://schemas.microsoft.com/office/drawing/2014/main" id="{5DEE6CCD-6691-D35A-720F-7A945E77DD73}"/>
+              </a:ext>
+            </a:extLst>
+          </p:cNvPr>
+          <p:cNvSpPr>
+            <a:spLocks noGrp="1"/>
+          </p:cNvSpPr>
+          <p:nvPr>
+            <p:ph type="title"/>
           </p:nvPr>
         </p:nvSpPr>
         <p:spPr>
           <a:xfrm>
-            <a:off x="-1" y="0"/>
-            <a:ext cx="12188952" cy="6858000"/>
-          </a:xfrm>
-          <a:prstGeom prst="rect">
-            <a:avLst/>
-          </a:prstGeom>
-          <a:ln>
-            <a:noFill/>
-          </a:ln>
-        </p:spPr>
-        <p:style>
-          <a:lnRef idx="2">
-            <a:schemeClr val="accent1">
-              <a:shade val="50000"/>
-            </a:schemeClr>
-          </a:lnRef>
-          <a:fillRef idx="1">
-            <a:schemeClr val="accent1"/>
-          </a:fillRef>
-          <a:effectRef idx="0">
-            <a:schemeClr val="accent1"/>
-          </a:effectRef>
-          <a:fontRef idx="minor">
-            <a:schemeClr val="lt1"/>
-          </a:fontRef>
-        </p:style>
-        <p:txBody>
-          <a:bodyPr rtlCol="0" anchor="ctr"/>
-          <a:lstStyle/>
-          <a:p>
-            <a:pPr algn="ctr"/>
-            <a:endParaRPr lang="en-US"/>
-          </a:p>
-        </p:txBody>
-      </p:sp>
-      <p:sp>
-        <p:nvSpPr>
-          <p:cNvPr id="2" name="Заголовок 1">
-            <a:extLst>
-              <a:ext uri="{FF2B5EF4-FFF2-40B4-BE49-F238E27FC236}">
-                <a16:creationId xmlns:a16="http://schemas.microsoft.com/office/drawing/2014/main" id="{3B99AB6E-D17C-7991-12F0-FDEA5CC67B6D}"/>
-              </a:ext>
-            </a:extLst>
-          </p:cNvPr>
-          <p:cNvSpPr>
-            <a:spLocks noGrp="1"/>
-          </p:cNvSpPr>
-          <p:nvPr>
-            <p:ph type="title"/>
-          </p:nvPr>
-        </p:nvSpPr>
-        <p:spPr>
-          <a:xfrm>
-            <a:off x="615927" y="475862"/>
-            <a:ext cx="3807187" cy="2228074"/>
+            <a:off x="914400" y="218700"/>
+            <a:ext cx="10515600" cy="1325563"/>
           </a:xfrm>
         </p:spPr>
         <p:txBody>
@@ -4518,116 +5282,34 @@
           </a:bodyPr>
           <a:lstStyle/>
           <a:p>
-            <a:r>
-              <a:rPr lang="ru-RU" sz="5400" dirty="0">
+            <a:pPr algn="ctr"/>
+            <a:r>
+              <a:rPr lang="ru-RU" sz="4800" dirty="0">
                 <a:solidFill>
                   <a:srgbClr val="9933FF"/>
                 </a:solidFill>
                 <a:latin typeface="Raleway ExtraBold" panose="020B0903030101060003" pitchFamily="34" charset="-52"/>
               </a:rPr>
-              <a:t>Проблема</a:t>
-            </a:r>
-          </a:p>
-        </p:txBody>
-      </p:sp>
-      <p:sp>
-        <p:nvSpPr>
-          <p:cNvPr id="9" name="Content Placeholder 8">
-            <a:extLst>
-              <a:ext uri="{FF2B5EF4-FFF2-40B4-BE49-F238E27FC236}">
-                <a16:creationId xmlns:a16="http://schemas.microsoft.com/office/drawing/2014/main" id="{B156C28A-3F5F-BFA4-6413-6BC4DFE7A3ED}"/>
-              </a:ext>
-            </a:extLst>
-          </p:cNvPr>
-          <p:cNvSpPr>
-            <a:spLocks noGrp="1"/>
-          </p:cNvSpPr>
-          <p:nvPr>
-            <p:ph idx="1"/>
-          </p:nvPr>
-        </p:nvSpPr>
-        <p:spPr>
-          <a:xfrm>
-            <a:off x="615927" y="2156604"/>
-            <a:ext cx="4362491" cy="4032477"/>
-          </a:xfrm>
-        </p:spPr>
-        <p:txBody>
-          <a:bodyPr>
-            <a:normAutofit fontScale="85000" lnSpcReduction="20000"/>
-          </a:bodyPr>
-          <a:lstStyle/>
-          <a:p>
-            <a:pPr marL="0" indent="0">
-              <a:buNone/>
-            </a:pPr>
-            <a:r>
-              <a:rPr lang="ru-RU" sz="3600" dirty="0">
-                <a:solidFill>
-                  <a:srgbClr val="6600CC"/>
-                </a:solidFill>
-                <a:latin typeface="Raleway Medium" panose="020B0603030101060003" pitchFamily="34" charset="-52"/>
-              </a:rPr>
-              <a:t>Сделать рабочий и удобный веб-сервис</a:t>
-            </a:r>
-            <a:r>
-              <a:rPr lang="en-US" sz="3600" dirty="0">
-                <a:solidFill>
-                  <a:srgbClr val="6600CC"/>
-                </a:solidFill>
-                <a:latin typeface="Raleway Medium" panose="020B0603030101060003" pitchFamily="34" charset="-52"/>
-              </a:rPr>
-              <a:t>,</a:t>
-            </a:r>
-            <a:r>
-              <a:rPr lang="ru-RU" sz="3600" dirty="0">
-                <a:solidFill>
-                  <a:srgbClr val="6600CC"/>
-                </a:solidFill>
-                <a:latin typeface="Raleway Medium" panose="020B0603030101060003" pitchFamily="34" charset="-52"/>
-              </a:rPr>
-              <a:t>не уступающий конкурентам. Сайт должен иметь особенности</a:t>
-            </a:r>
-            <a:r>
-              <a:rPr lang="en-US" sz="3600" dirty="0">
-                <a:solidFill>
-                  <a:srgbClr val="6600CC"/>
-                </a:solidFill>
-                <a:latin typeface="Raleway Medium" panose="020B0603030101060003" pitchFamily="34" charset="-52"/>
-              </a:rPr>
-              <a:t>, </a:t>
-            </a:r>
-            <a:r>
-              <a:rPr lang="ru-RU" sz="3600" dirty="0">
-                <a:solidFill>
-                  <a:srgbClr val="6600CC"/>
-                </a:solidFill>
-                <a:latin typeface="Raleway Medium" panose="020B0603030101060003" pitchFamily="34" charset="-52"/>
-              </a:rPr>
-              <a:t>которые позволяют ему выигрышно смотреться на фоне остальных. </a:t>
-            </a:r>
-            <a:endParaRPr lang="en-US" sz="3200" dirty="0">
-              <a:solidFill>
-                <a:srgbClr val="6600CC"/>
-              </a:solidFill>
-              <a:latin typeface="Raleway Medium" panose="020B0603030101060003" pitchFamily="34" charset="-52"/>
-            </a:endParaRPr>
+              <a:t>Целевая аудитория</a:t>
+            </a:r>
           </a:p>
         </p:txBody>
       </p:sp>
       <p:pic>
         <p:nvPicPr>
-          <p:cNvPr id="10" name="Рисунок 9" descr="Изображение выглядит как диаграмма&#10;&#10;Автоматически созданное описание">
-            <a:extLst>
-              <a:ext uri="{FF2B5EF4-FFF2-40B4-BE49-F238E27FC236}">
-                <a16:creationId xmlns:a16="http://schemas.microsoft.com/office/drawing/2014/main" id="{C17E186E-9120-5024-4B52-3E042F4C3AAE}"/>
+          <p:cNvPr id="5" name="Объект 4" descr="Изображение выглядит как диаграмма&#10;&#10;Автоматически созданное описание">
+            <a:extLst>
+              <a:ext uri="{FF2B5EF4-FFF2-40B4-BE49-F238E27FC236}">
+                <a16:creationId xmlns:a16="http://schemas.microsoft.com/office/drawing/2014/main" id="{51F4FA45-B200-C5BE-BA2A-EF46A4F75CCE}"/>
               </a:ext>
             </a:extLst>
           </p:cNvPr>
           <p:cNvPicPr>
-            <a:picLocks noChangeAspect="1"/>
+            <a:picLocks noGrp="1" noChangeAspect="1"/>
           </p:cNvPicPr>
-          <p:nvPr/>
+          <p:nvPr>
+            <p:ph idx="1"/>
+          </p:nvPr>
         </p:nvPicPr>
         <p:blipFill>
           <a:blip r:embed="rId2">
@@ -4643,18 +5325,123 @@
         </p:blipFill>
         <p:spPr>
           <a:xfrm>
-            <a:off x="4978418" y="475862"/>
-            <a:ext cx="6877501" cy="5337110"/>
+            <a:off x="2810049" y="1544263"/>
+            <a:ext cx="6840681" cy="2438296"/>
+          </a:xfrm>
+        </p:spPr>
+      </p:pic>
+      <p:sp>
+        <p:nvSpPr>
+          <p:cNvPr id="3" name="TextBox 2">
+            <a:extLst>
+              <a:ext uri="{FF2B5EF4-FFF2-40B4-BE49-F238E27FC236}">
+                <a16:creationId xmlns:a16="http://schemas.microsoft.com/office/drawing/2014/main" id="{1F6839B8-A31D-9574-8446-4F5FA3D36CFC}"/>
+              </a:ext>
+            </a:extLst>
+          </p:cNvPr>
+          <p:cNvSpPr txBox="1"/>
+          <p:nvPr/>
+        </p:nvSpPr>
+        <p:spPr>
+          <a:xfrm>
+            <a:off x="4521394" y="3807756"/>
+            <a:ext cx="4524884" cy="3062377"/>
           </a:xfrm>
           <a:prstGeom prst="rect">
             <a:avLst/>
           </a:prstGeom>
+          <a:noFill/>
         </p:spPr>
-      </p:pic>
+        <p:txBody>
+          <a:bodyPr wrap="square" rtlCol="0">
+            <a:spAutoFit/>
+          </a:bodyPr>
+          <a:lstStyle/>
+          <a:p>
+            <a:endParaRPr lang="ru-RU" sz="2800" dirty="0">
+              <a:solidFill>
+                <a:srgbClr val="6600CC"/>
+              </a:solidFill>
+              <a:latin typeface="Raleway Medium" panose="020B0603030101060003" pitchFamily="34" charset="-52"/>
+            </a:endParaRPr>
+          </a:p>
+          <a:p>
+            <a:pPr marL="342900" indent="-342900">
+              <a:spcBef>
+                <a:spcPts val="600"/>
+              </a:spcBef>
+              <a:buBlip>
+                <a:blip r:embed="rId3"/>
+              </a:buBlip>
+            </a:pPr>
+            <a:r>
+              <a:rPr lang="ru-RU" sz="3600" dirty="0">
+                <a:solidFill>
+                  <a:srgbClr val="6600CC"/>
+                </a:solidFill>
+                <a:latin typeface="Raleway Medium" panose="020B0603030101060003" pitchFamily="34" charset="-52"/>
+              </a:rPr>
+              <a:t>Художники</a:t>
+            </a:r>
+          </a:p>
+          <a:p>
+            <a:pPr marL="342900" indent="-342900">
+              <a:spcBef>
+                <a:spcPts val="600"/>
+              </a:spcBef>
+              <a:buBlip>
+                <a:blip r:embed="rId3"/>
+              </a:buBlip>
+            </a:pPr>
+            <a:r>
+              <a:rPr lang="ru-RU" sz="3600" dirty="0">
+                <a:solidFill>
+                  <a:srgbClr val="6600CC"/>
+                </a:solidFill>
+                <a:latin typeface="Raleway Medium" panose="020B0603030101060003" pitchFamily="34" charset="-52"/>
+              </a:rPr>
+              <a:t>Дизайнеры</a:t>
+            </a:r>
+          </a:p>
+          <a:p>
+            <a:pPr marL="342900" indent="-342900">
+              <a:spcBef>
+                <a:spcPts val="600"/>
+              </a:spcBef>
+              <a:buBlip>
+                <a:blip r:embed="rId3"/>
+              </a:buBlip>
+            </a:pPr>
+            <a:r>
+              <a:rPr lang="ru-RU" sz="3600" dirty="0">
+                <a:solidFill>
+                  <a:srgbClr val="6600CC"/>
+                </a:solidFill>
+                <a:latin typeface="Raleway Medium" panose="020B0603030101060003" pitchFamily="34" charset="-52"/>
+              </a:rPr>
+              <a:t>Фотографы</a:t>
+            </a:r>
+          </a:p>
+          <a:p>
+            <a:r>
+              <a:rPr lang="ru-RU" sz="2400" dirty="0">
+                <a:solidFill>
+                  <a:srgbClr val="6600CC"/>
+                </a:solidFill>
+                <a:latin typeface="Raleway Medium" panose="020B0603030101060003" pitchFamily="34" charset="-52"/>
+              </a:rPr>
+              <a:t>	</a:t>
+            </a:r>
+          </a:p>
+          <a:p>
+            <a:endParaRPr lang="ru-RU" dirty="0"/>
+          </a:p>
+        </p:txBody>
+      </p:sp>
     </p:spTree>
     <p:extLst>
       <p:ext uri="{BB962C8B-B14F-4D97-AF65-F5344CB8AC3E}">
-        <p14:creationId xmlns:p14="http://schemas.microsoft.com/office/powerpoint/2010/main" val="2189076392"/>
+        <p14:creationId xmlns:p14="http://schemas.microsoft.com/office/powerpoint/2010/main" val="554079634"/>
       </p:ext>
     </p:extLst>
   </p:cSld>
@@ -4686,7 +5473,7 @@
           <p:cNvPr id="2" name="Заголовок 1">
             <a:extLst>
               <a:ext uri="{FF2B5EF4-FFF2-40B4-BE49-F238E27FC236}">
-                <a16:creationId xmlns:a16="http://schemas.microsoft.com/office/drawing/2014/main" id="{5DEE6CCD-6691-D35A-720F-7A945E77DD73}"/>
+                <a16:creationId xmlns:a16="http://schemas.microsoft.com/office/drawing/2014/main" id="{8EE4B846-CF32-38A1-22B1-108D612E4430}"/>
               </a:ext>
             </a:extLst>
           </p:cNvPr>
@@ -4697,184 +5484,87 @@
             <p:ph type="title"/>
           </p:nvPr>
         </p:nvSpPr>
-        <p:spPr>
-          <a:xfrm>
-            <a:off x="914400" y="218700"/>
-            <a:ext cx="10515600" cy="1325563"/>
-          </a:xfrm>
-        </p:spPr>
-        <p:txBody>
-          <a:bodyPr>
-            <a:normAutofit/>
-          </a:bodyPr>
+        <p:spPr/>
+        <p:txBody>
+          <a:bodyPr/>
           <a:lstStyle/>
           <a:p>
             <a:pPr algn="ctr"/>
             <a:r>
-              <a:rPr lang="ru-RU" sz="4800" dirty="0">
+              <a:rPr lang="ru-RU" sz="4400" dirty="0">
                 <a:solidFill>
                   <a:srgbClr val="9933FF"/>
                 </a:solidFill>
                 <a:latin typeface="Raleway ExtraBold" panose="020B0903030101060003" pitchFamily="34" charset="-52"/>
               </a:rPr>
-              <a:t>Целевая аудитория</a:t>
-            </a:r>
+              <a:t>Аналоги</a:t>
+            </a:r>
+            <a:endParaRPr lang="ru-RU" dirty="0"/>
           </a:p>
         </p:txBody>
       </p:sp>
       <p:pic>
         <p:nvPicPr>
-          <p:cNvPr id="5" name="Объект 4" descr="Изображение выглядит как диаграмма&#10;&#10;Автоматически созданное описание">
-            <a:extLst>
-              <a:ext uri="{FF2B5EF4-FFF2-40B4-BE49-F238E27FC236}">
-                <a16:creationId xmlns:a16="http://schemas.microsoft.com/office/drawing/2014/main" id="{51F4FA45-B200-C5BE-BA2A-EF46A4F75CCE}"/>
+          <p:cNvPr id="1026" name="Picture 2">
+            <a:extLst>
+              <a:ext uri="{FF2B5EF4-FFF2-40B4-BE49-F238E27FC236}">
+                <a16:creationId xmlns:a16="http://schemas.microsoft.com/office/drawing/2014/main" id="{8EDE8136-8DF5-F025-A497-2F035735703F}"/>
               </a:ext>
             </a:extLst>
           </p:cNvPr>
           <p:cNvPicPr>
-            <a:picLocks noGrp="1" noChangeAspect="1"/>
+            <a:picLocks noChangeAspect="1" noChangeArrowheads="1"/>
           </p:cNvPicPr>
-          <p:nvPr>
-            <p:ph idx="1"/>
-          </p:nvPr>
+          <p:nvPr/>
         </p:nvPicPr>
         <p:blipFill>
-          <a:blip r:embed="rId2">
+          <a:blip r:embed="rId3">
             <a:extLst>
               <a:ext uri="{28A0092B-C50C-407E-A947-70E740481C1C}">
                 <a14:useLocalDpi xmlns:a14="http://schemas.microsoft.com/office/drawing/2010/main" val="0"/>
               </a:ext>
             </a:extLst>
           </a:blip>
+          <a:srcRect/>
           <a:stretch>
             <a:fillRect/>
           </a:stretch>
         </p:blipFill>
-        <p:spPr>
+        <p:spPr bwMode="auto">
           <a:xfrm>
-            <a:off x="2810049" y="1544263"/>
-            <a:ext cx="6840681" cy="2438296"/>
-          </a:xfrm>
-        </p:spPr>
-      </p:pic>
-      <p:sp>
-        <p:nvSpPr>
-          <p:cNvPr id="3" name="TextBox 2">
-            <a:extLst>
-              <a:ext uri="{FF2B5EF4-FFF2-40B4-BE49-F238E27FC236}">
-                <a16:creationId xmlns:a16="http://schemas.microsoft.com/office/drawing/2014/main" id="{1F6839B8-A31D-9574-8446-4F5FA3D36CFC}"/>
-              </a:ext>
-            </a:extLst>
-          </p:cNvPr>
-          <p:cNvSpPr txBox="1"/>
-          <p:nvPr/>
-        </p:nvSpPr>
-        <p:spPr>
-          <a:xfrm>
-            <a:off x="4521394" y="3807756"/>
-            <a:ext cx="4524884" cy="3062377"/>
+            <a:off x="1624955" y="1690688"/>
+            <a:ext cx="8942089" cy="4044898"/>
           </a:xfrm>
           <a:prstGeom prst="rect">
             <a:avLst/>
           </a:prstGeom>
           <a:noFill/>
+          <a:extLst>
+            <a:ext uri="{909E8E84-426E-40DD-AFC4-6F175D3DCCD1}">
+              <a14:hiddenFill xmlns:a14="http://schemas.microsoft.com/office/drawing/2010/main">
+                <a:solidFill>
+                  <a:srgbClr val="FFFFFF"/>
+                </a:solidFill>
+              </a14:hiddenFill>
+            </a:ext>
+          </a:extLst>
         </p:spPr>
-        <p:txBody>
-          <a:bodyPr wrap="square" rtlCol="0">
-            <a:spAutoFit/>
-          </a:bodyPr>
-          <a:lstStyle/>
-          <a:p>
-            <a:endParaRPr lang="ru-RU" sz="2800" dirty="0">
-              <a:solidFill>
-                <a:srgbClr val="6600CC"/>
-              </a:solidFill>
-              <a:latin typeface="Raleway Medium" panose="020B0603030101060003" pitchFamily="34" charset="-52"/>
-            </a:endParaRPr>
-          </a:p>
-          <a:p>
-            <a:pPr marL="342900" indent="-342900">
-              <a:spcBef>
-                <a:spcPts val="600"/>
-              </a:spcBef>
-              <a:buBlip>
-                <a:blip r:embed="rId3"/>
-              </a:buBlip>
-            </a:pPr>
-            <a:r>
-              <a:rPr lang="ru-RU" sz="3600" dirty="0">
-                <a:solidFill>
-                  <a:srgbClr val="6600CC"/>
-                </a:solidFill>
-                <a:latin typeface="Raleway Medium" panose="020B0603030101060003" pitchFamily="34" charset="-52"/>
-              </a:rPr>
-              <a:t>Художники</a:t>
-            </a:r>
-          </a:p>
-          <a:p>
-            <a:pPr marL="342900" indent="-342900">
-              <a:spcBef>
-                <a:spcPts val="600"/>
-              </a:spcBef>
-              <a:buBlip>
-                <a:blip r:embed="rId3"/>
-              </a:buBlip>
-            </a:pPr>
-            <a:r>
-              <a:rPr lang="ru-RU" sz="3600" dirty="0">
-                <a:solidFill>
-                  <a:srgbClr val="6600CC"/>
-                </a:solidFill>
-                <a:latin typeface="Raleway Medium" panose="020B0603030101060003" pitchFamily="34" charset="-52"/>
-              </a:rPr>
-              <a:t>Дизайнеры</a:t>
-            </a:r>
-          </a:p>
-          <a:p>
-            <a:pPr marL="342900" indent="-342900">
-              <a:spcBef>
-                <a:spcPts val="600"/>
-              </a:spcBef>
-              <a:buBlip>
-                <a:blip r:embed="rId3"/>
-              </a:buBlip>
-            </a:pPr>
-            <a:r>
-              <a:rPr lang="ru-RU" sz="3600" dirty="0">
-                <a:solidFill>
-                  <a:srgbClr val="6600CC"/>
-                </a:solidFill>
-                <a:latin typeface="Raleway Medium" panose="020B0603030101060003" pitchFamily="34" charset="-52"/>
-              </a:rPr>
-              <a:t>Фотографы</a:t>
-            </a:r>
-          </a:p>
-          <a:p>
-            <a:r>
-              <a:rPr lang="ru-RU" sz="2400" dirty="0">
-                <a:solidFill>
-                  <a:srgbClr val="6600CC"/>
-                </a:solidFill>
-                <a:latin typeface="Raleway Medium" panose="020B0603030101060003" pitchFamily="34" charset="-52"/>
-              </a:rPr>
-              <a:t>	</a:t>
-            </a:r>
-          </a:p>
-          <a:p>
-            <a:endParaRPr lang="ru-RU" dirty="0"/>
-          </a:p>
-        </p:txBody>
-      </p:sp>
+      </p:pic>
     </p:spTree>
     <p:extLst>
       <p:ext uri="{BB962C8B-B14F-4D97-AF65-F5344CB8AC3E}">
-        <p14:creationId xmlns:p14="http://schemas.microsoft.com/office/powerpoint/2010/main" val="554079634"/>
+        <p14:creationId xmlns:p14="http://schemas.microsoft.com/office/powerpoint/2010/main" val="3751251263"/>
       </p:ext>
     </p:extLst>
   </p:cSld>
   <p:clrMapOvr>
     <a:masterClrMapping/>
   </p:clrMapOvr>
+  <p:extLst>
+    <p:ext uri="{6950BFC3-D8DA-4A85-94F7-54DA5524770B}">
+      <p188:commentRel xmlns:p188="http://schemas.microsoft.com/office/powerpoint/2018/8/main" r:id="rId2"/>
+    </p:ext>
+  </p:extLst>
 </p:sld>
 </file>
 
@@ -4895,48 +5585,12 @@
           <a:chExt cx="0" cy="0"/>
         </a:xfrm>
       </p:grpSpPr>
-      <p:pic>
-        <p:nvPicPr>
-          <p:cNvPr id="5" name="Рисунок 4">
-            <a:extLst>
-              <a:ext uri="{FF2B5EF4-FFF2-40B4-BE49-F238E27FC236}">
-                <a16:creationId xmlns:a16="http://schemas.microsoft.com/office/drawing/2014/main" id="{BF499F53-ECD6-B4E4-A0B8-D451B68E86DF}"/>
-              </a:ext>
-            </a:extLst>
-          </p:cNvPr>
-          <p:cNvPicPr>
-            <a:picLocks noChangeAspect="1"/>
-          </p:cNvPicPr>
-          <p:nvPr/>
-        </p:nvPicPr>
-        <p:blipFill>
-          <a:blip r:embed="rId2">
-            <a:extLst>
-              <a:ext uri="{28A0092B-C50C-407E-A947-70E740481C1C}">
-                <a14:useLocalDpi xmlns:a14="http://schemas.microsoft.com/office/drawing/2010/main" val="0"/>
-              </a:ext>
-            </a:extLst>
-          </a:blip>
-          <a:stretch>
-            <a:fillRect/>
-          </a:stretch>
-        </p:blipFill>
-        <p:spPr>
-          <a:xfrm>
-            <a:off x="8108830" y="2837102"/>
-            <a:ext cx="3740089" cy="3740089"/>
-          </a:xfrm>
-          <a:prstGeom prst="rect">
-            <a:avLst/>
-          </a:prstGeom>
-        </p:spPr>
-      </p:pic>
       <p:sp>
         <p:nvSpPr>
           <p:cNvPr id="2" name="Заголовок 1">
             <a:extLst>
               <a:ext uri="{FF2B5EF4-FFF2-40B4-BE49-F238E27FC236}">
-                <a16:creationId xmlns:a16="http://schemas.microsoft.com/office/drawing/2014/main" id="{3E9F00AE-4E4F-2162-1C5F-13FA2EAFE834}"/>
+                <a16:creationId xmlns:a16="http://schemas.microsoft.com/office/drawing/2014/main" id="{C5446E5E-D763-C0EB-AA57-B9D03FA65E0A}"/>
               </a:ext>
             </a:extLst>
           </p:cNvPr>
@@ -4947,28 +5601,12 @@
             <p:ph type="title"/>
           </p:nvPr>
         </p:nvSpPr>
-        <p:spPr>
-          <a:xfrm>
-            <a:off x="838200" y="269784"/>
-            <a:ext cx="10515600" cy="1325563"/>
-          </a:xfrm>
-        </p:spPr>
-        <p:txBody>
-          <a:bodyPr>
-            <a:normAutofit/>
-          </a:bodyPr>
-          <a:lstStyle/>
-          <a:p>
-            <a:pPr algn="ctr"/>
-            <a:r>
-              <a:rPr lang="ru-RU" sz="5400" dirty="0">
-                <a:solidFill>
-                  <a:srgbClr val="9933FF"/>
-                </a:solidFill>
-                <a:latin typeface="Raleway ExtraBold" panose="020B0903030101060003" pitchFamily="34" charset="-52"/>
-              </a:rPr>
-              <a:t>Выводы</a:t>
-            </a:r>
+        <p:spPr/>
+        <p:txBody>
+          <a:bodyPr/>
+          <a:lstStyle/>
+          <a:p>
+            <a:endParaRPr lang="ru-RU" dirty="0"/>
           </a:p>
         </p:txBody>
       </p:sp>
@@ -4977,7 +5615,7 @@
           <p:cNvPr id="3" name="Объект 2">
             <a:extLst>
               <a:ext uri="{FF2B5EF4-FFF2-40B4-BE49-F238E27FC236}">
-                <a16:creationId xmlns:a16="http://schemas.microsoft.com/office/drawing/2014/main" id="{E526271E-AC75-BC70-83F0-2F4B93FA63B4}"/>
+                <a16:creationId xmlns:a16="http://schemas.microsoft.com/office/drawing/2014/main" id="{470074AF-B173-DC98-3CF3-836058F91502}"/>
               </a:ext>
             </a:extLst>
           </p:cNvPr>
@@ -4988,168 +5626,19 @@
             <p:ph idx="1"/>
           </p:nvPr>
         </p:nvSpPr>
-        <p:spPr>
-          <a:xfrm>
-            <a:off x="838200" y="1479130"/>
-            <a:ext cx="10515600" cy="3812876"/>
-          </a:xfrm>
-        </p:spPr>
+        <p:spPr/>
         <p:txBody>
           <a:bodyPr/>
           <a:lstStyle/>
           <a:p>
-            <a:pPr marL="0" indent="0">
-              <a:buNone/>
-            </a:pPr>
-            <a:r>
-              <a:rPr lang="ru-RU" sz="3600" dirty="0">
-                <a:solidFill>
-                  <a:srgbClr val="6600CC"/>
-                </a:solidFill>
-                <a:latin typeface="Raleway Medium" panose="020B0603030101060003" pitchFamily="34" charset="-52"/>
-              </a:rPr>
-              <a:t>Для успешного веб-сервиса с портфолио в первую очередь нам необходимо обеспечить:</a:t>
-            </a:r>
-          </a:p>
-          <a:p>
-            <a:r>
-              <a:rPr lang="ru-RU" dirty="0">
-                <a:solidFill>
-                  <a:srgbClr val="6600CC"/>
-                </a:solidFill>
-                <a:latin typeface="Raleway Medium" panose="020B0603030101060003" pitchFamily="34" charset="-52"/>
-              </a:rPr>
-              <a:t>Максимальное разнообразие категорий портфолио</a:t>
-            </a:r>
-          </a:p>
-          <a:p>
-            <a:r>
-              <a:rPr lang="ru-RU" dirty="0">
-                <a:solidFill>
-                  <a:srgbClr val="6600CC"/>
-                </a:solidFill>
-                <a:latin typeface="Raleway Medium" panose="020B0603030101060003" pitchFamily="34" charset="-52"/>
-              </a:rPr>
-              <a:t>Продвинутый дизайн</a:t>
-            </a:r>
-          </a:p>
-          <a:p>
-            <a:r>
-              <a:rPr lang="ru-RU" dirty="0">
-                <a:solidFill>
-                  <a:srgbClr val="6600CC"/>
-                </a:solidFill>
-                <a:latin typeface="Raleway Medium" panose="020B0603030101060003" pitchFamily="34" charset="-52"/>
-              </a:rPr>
-              <a:t>Удобный поиск</a:t>
-            </a:r>
-          </a:p>
-          <a:p>
-            <a:r>
-              <a:rPr lang="ru-RU" dirty="0">
-                <a:solidFill>
-                  <a:srgbClr val="6600CC"/>
-                </a:solidFill>
-                <a:latin typeface="Raleway Medium" panose="020B0603030101060003" pitchFamily="34" charset="-52"/>
-              </a:rPr>
-              <a:t>Наличие статистики и рекомендаций</a:t>
-            </a:r>
-          </a:p>
-          <a:p>
-            <a:r>
-              <a:rPr lang="ru-RU" dirty="0">
-                <a:solidFill>
-                  <a:srgbClr val="6600CC"/>
-                </a:solidFill>
-                <a:latin typeface="Raleway Medium" panose="020B0603030101060003" pitchFamily="34" charset="-52"/>
-              </a:rPr>
-              <a:t>Бесплатное пользование сервисом</a:t>
-            </a:r>
-          </a:p>
-          <a:p>
-            <a:pPr marL="0" indent="0">
-              <a:buNone/>
-            </a:pPr>
-            <a:endParaRPr lang="ru-RU" dirty="0">
-              <a:solidFill>
-                <a:srgbClr val="6600CC"/>
-              </a:solidFill>
-              <a:latin typeface="Raleway Medium" panose="020B0603030101060003" pitchFamily="34" charset="-52"/>
-            </a:endParaRPr>
-          </a:p>
-        </p:txBody>
-      </p:sp>
-      <p:sp>
-        <p:nvSpPr>
-          <p:cNvPr id="6" name="TextBox 5">
-            <a:extLst>
-              <a:ext uri="{FF2B5EF4-FFF2-40B4-BE49-F238E27FC236}">
-                <a16:creationId xmlns:a16="http://schemas.microsoft.com/office/drawing/2014/main" id="{AB27DE13-9F1E-11EC-DD02-029A0F574241}"/>
-              </a:ext>
-            </a:extLst>
-          </p:cNvPr>
-          <p:cNvSpPr txBox="1"/>
-          <p:nvPr/>
-        </p:nvSpPr>
-        <p:spPr>
-          <a:xfrm>
-            <a:off x="1112808" y="5163150"/>
-            <a:ext cx="5589917" cy="1477328"/>
-          </a:xfrm>
-          <a:prstGeom prst="rect">
-            <a:avLst/>
-          </a:prstGeom>
-          <a:noFill/>
-        </p:spPr>
-        <p:txBody>
-          <a:bodyPr wrap="square" rtlCol="0">
-            <a:spAutoFit/>
-          </a:bodyPr>
-          <a:lstStyle/>
-          <a:p>
-            <a:r>
-              <a:rPr lang="ru-RU" dirty="0">
-                <a:solidFill>
-                  <a:srgbClr val="6600CC"/>
-                </a:solidFill>
-                <a:latin typeface="Raleway Medium" panose="020B0603030101060003" pitchFamily="34" charset="-52"/>
-              </a:rPr>
-              <a:t>Именно максимальное разнообразие категорий портфолио должно стать нашей главной отличительной чертой</a:t>
-            </a:r>
-            <a:r>
-              <a:rPr lang="en-US" dirty="0">
-                <a:solidFill>
-                  <a:srgbClr val="6600CC"/>
-                </a:solidFill>
-                <a:latin typeface="Raleway Medium" panose="020B0603030101060003" pitchFamily="34" charset="-52"/>
-              </a:rPr>
-              <a:t>, </a:t>
-            </a:r>
-            <a:r>
-              <a:rPr lang="ru-RU" dirty="0">
-                <a:solidFill>
-                  <a:srgbClr val="6600CC"/>
-                </a:solidFill>
-                <a:latin typeface="Raleway Medium" panose="020B0603030101060003" pitchFamily="34" charset="-52"/>
-              </a:rPr>
-              <a:t>поэтому мы и выбрали такую широкую целевую аудиторию.</a:t>
-            </a:r>
-            <a:endParaRPr lang="en-US" dirty="0">
-              <a:solidFill>
-                <a:srgbClr val="6600CC"/>
-              </a:solidFill>
-              <a:latin typeface="Raleway Medium" panose="020B0603030101060003" pitchFamily="34" charset="-52"/>
-            </a:endParaRPr>
-          </a:p>
-          <a:p>
-            <a:endParaRPr lang="ru-RU" dirty="0"/>
+            <a:endParaRPr lang="ru-RU"/>
           </a:p>
         </p:txBody>
       </p:sp>
     </p:spTree>
     <p:extLst>
       <p:ext uri="{BB962C8B-B14F-4D97-AF65-F5344CB8AC3E}">
-        <p14:creationId xmlns:p14="http://schemas.microsoft.com/office/powerpoint/2010/main" val="154931318"/>
+        <p14:creationId xmlns:p14="http://schemas.microsoft.com/office/powerpoint/2010/main" val="2440160743"/>
       </p:ext>
     </p:extLst>
   </p:cSld>
@@ -5181,7 +5670,7 @@
           <p:cNvPr id="2" name="Заголовок 1">
             <a:extLst>
               <a:ext uri="{FF2B5EF4-FFF2-40B4-BE49-F238E27FC236}">
-                <a16:creationId xmlns:a16="http://schemas.microsoft.com/office/drawing/2014/main" id="{99AAA4C5-1AC5-4D99-F963-6BE5ADC90924}"/>
+                <a16:creationId xmlns:a16="http://schemas.microsoft.com/office/drawing/2014/main" id="{C93519D4-2E7A-7E27-874F-7A01A0DC8336}"/>
               </a:ext>
             </a:extLst>
           </p:cNvPr>
@@ -5194,392 +5683,360 @@
         </p:nvSpPr>
         <p:spPr/>
         <p:txBody>
-          <a:bodyPr>
-            <a:normAutofit/>
-          </a:bodyPr>
-          <a:lstStyle/>
-          <a:p>
-            <a:pPr algn="ctr"/>
-            <a:r>
-              <a:rPr lang="ru-RU" sz="5400" dirty="0">
-                <a:solidFill>
-                  <a:srgbClr val="9933FF"/>
-                </a:solidFill>
-                <a:latin typeface="Raleway ExtraBold" panose="020B0903030101060003" pitchFamily="34" charset="-52"/>
-              </a:rPr>
-              <a:t>Стек технологий</a:t>
-            </a:r>
-          </a:p>
-        </p:txBody>
-      </p:sp>
-      <p:pic>
-        <p:nvPicPr>
-          <p:cNvPr id="5" name="Объект 4" descr="Изображение выглядит как логотип&#10;&#10;Автоматически созданное описание">
-            <a:extLst>
-              <a:ext uri="{FF2B5EF4-FFF2-40B4-BE49-F238E27FC236}">
-                <a16:creationId xmlns:a16="http://schemas.microsoft.com/office/drawing/2014/main" id="{371284C6-1063-0B0B-0D80-30E4390C311F}"/>
-              </a:ext>
-            </a:extLst>
-          </p:cNvPr>
-          <p:cNvPicPr>
-            <a:picLocks noGrp="1" noChangeAspect="1"/>
-          </p:cNvPicPr>
+          <a:bodyPr/>
+          <a:lstStyle/>
+          <a:p>
+            <a:endParaRPr lang="ru-RU" dirty="0"/>
+          </a:p>
+        </p:txBody>
+      </p:sp>
+      <p:sp>
+        <p:nvSpPr>
+          <p:cNvPr id="3" name="Объект 2">
+            <a:extLst>
+              <a:ext uri="{FF2B5EF4-FFF2-40B4-BE49-F238E27FC236}">
+                <a16:creationId xmlns:a16="http://schemas.microsoft.com/office/drawing/2014/main" id="{7EFAE030-1CF0-D30A-AC94-BCB14F536E03}"/>
+              </a:ext>
+            </a:extLst>
+          </p:cNvPr>
+          <p:cNvSpPr>
+            <a:spLocks noGrp="1"/>
+          </p:cNvSpPr>
           <p:nvPr>
             <p:ph idx="1"/>
           </p:nvPr>
-        </p:nvPicPr>
-        <p:blipFill>
-          <a:blip r:embed="rId2">
-            <a:extLst>
-              <a:ext uri="{28A0092B-C50C-407E-A947-70E740481C1C}">
-                <a14:useLocalDpi xmlns:a14="http://schemas.microsoft.com/office/drawing/2010/main" val="0"/>
-              </a:ext>
-            </a:extLst>
-          </a:blip>
-          <a:stretch>
-            <a:fillRect/>
-          </a:stretch>
-        </p:blipFill>
-        <p:spPr>
-          <a:xfrm>
-            <a:off x="10031492" y="4365319"/>
-            <a:ext cx="1730128" cy="1730128"/>
-          </a:xfrm>
-        </p:spPr>
-      </p:pic>
-      <p:pic>
-        <p:nvPicPr>
-          <p:cNvPr id="7" name="Рисунок 6">
-            <a:extLst>
-              <a:ext uri="{FF2B5EF4-FFF2-40B4-BE49-F238E27FC236}">
-                <a16:creationId xmlns:a16="http://schemas.microsoft.com/office/drawing/2014/main" id="{C4B493C6-14E4-1B69-BB2F-9A345E7AE180}"/>
-              </a:ext>
-            </a:extLst>
-          </p:cNvPr>
-          <p:cNvPicPr>
-            <a:picLocks noChangeAspect="1"/>
-          </p:cNvPicPr>
-          <p:nvPr/>
-        </p:nvPicPr>
-        <p:blipFill>
-          <a:blip r:embed="rId3">
-            <a:extLst>
-              <a:ext uri="{28A0092B-C50C-407E-A947-70E740481C1C}">
-                <a14:useLocalDpi xmlns:a14="http://schemas.microsoft.com/office/drawing/2010/main" val="0"/>
-              </a:ext>
-            </a:extLst>
-          </a:blip>
-          <a:stretch>
-            <a:fillRect/>
-          </a:stretch>
-        </p:blipFill>
-        <p:spPr>
-          <a:xfrm>
-            <a:off x="7090186" y="4261802"/>
-            <a:ext cx="1947119" cy="2133600"/>
-          </a:xfrm>
-          <a:prstGeom prst="rect">
-            <a:avLst/>
-          </a:prstGeom>
-        </p:spPr>
-      </p:pic>
-      <p:pic>
-        <p:nvPicPr>
-          <p:cNvPr id="9" name="Рисунок 8" descr="Изображение выглядит как логотип&#10;&#10;Автоматически созданное описание">
-            <a:extLst>
-              <a:ext uri="{FF2B5EF4-FFF2-40B4-BE49-F238E27FC236}">
-                <a16:creationId xmlns:a16="http://schemas.microsoft.com/office/drawing/2014/main" id="{6CF020BC-1424-F815-723D-9AECB2636C04}"/>
-              </a:ext>
-            </a:extLst>
-          </p:cNvPr>
-          <p:cNvPicPr>
-            <a:picLocks noChangeAspect="1"/>
-          </p:cNvPicPr>
-          <p:nvPr/>
-        </p:nvPicPr>
-        <p:blipFill>
-          <a:blip r:embed="rId4">
-            <a:extLst>
-              <a:ext uri="{28A0092B-C50C-407E-A947-70E740481C1C}">
-                <a14:useLocalDpi xmlns:a14="http://schemas.microsoft.com/office/drawing/2010/main" val="0"/>
-              </a:ext>
-            </a:extLst>
-          </a:blip>
-          <a:stretch>
-            <a:fillRect/>
-          </a:stretch>
-        </p:blipFill>
-        <p:spPr>
-          <a:xfrm>
-            <a:off x="655608" y="4261802"/>
-            <a:ext cx="2857500" cy="2430780"/>
-          </a:xfrm>
-          <a:prstGeom prst="rect">
-            <a:avLst/>
-          </a:prstGeom>
-        </p:spPr>
-      </p:pic>
-      <p:pic>
-        <p:nvPicPr>
-          <p:cNvPr id="11" name="Рисунок 10">
-            <a:extLst>
-              <a:ext uri="{FF2B5EF4-FFF2-40B4-BE49-F238E27FC236}">
-                <a16:creationId xmlns:a16="http://schemas.microsoft.com/office/drawing/2014/main" id="{F92A6C4B-926C-8DE1-EB32-B3882E38F01E}"/>
-              </a:ext>
-            </a:extLst>
-          </p:cNvPr>
-          <p:cNvPicPr>
-            <a:picLocks noChangeAspect="1"/>
-          </p:cNvPicPr>
-          <p:nvPr/>
-        </p:nvPicPr>
-        <p:blipFill>
-          <a:blip r:embed="rId5">
-            <a:extLst>
-              <a:ext uri="{28A0092B-C50C-407E-A947-70E740481C1C}">
-                <a14:useLocalDpi xmlns:a14="http://schemas.microsoft.com/office/drawing/2010/main" val="0"/>
-              </a:ext>
-            </a:extLst>
-          </a:blip>
-          <a:stretch>
-            <a:fillRect/>
-          </a:stretch>
-        </p:blipFill>
-        <p:spPr>
-          <a:xfrm>
-            <a:off x="4385573" y="4269469"/>
-            <a:ext cx="1710427" cy="1921828"/>
-          </a:xfrm>
-          <a:prstGeom prst="rect">
-            <a:avLst/>
-          </a:prstGeom>
-        </p:spPr>
-      </p:pic>
-      <p:sp>
-        <p:nvSpPr>
-          <p:cNvPr id="12" name="TextBox 11">
-            <a:extLst>
-              <a:ext uri="{FF2B5EF4-FFF2-40B4-BE49-F238E27FC236}">
-                <a16:creationId xmlns:a16="http://schemas.microsoft.com/office/drawing/2014/main" id="{9042FAA8-C105-1B33-ECFB-47C4E3E4854E}"/>
-              </a:ext>
-            </a:extLst>
-          </p:cNvPr>
-          <p:cNvSpPr txBox="1"/>
-          <p:nvPr/>
-        </p:nvSpPr>
-        <p:spPr>
-          <a:xfrm>
-            <a:off x="655608" y="1509623"/>
-            <a:ext cx="11106012" cy="2308324"/>
-          </a:xfrm>
-          <a:prstGeom prst="rect">
-            <a:avLst/>
-          </a:prstGeom>
-          <a:noFill/>
-        </p:spPr>
-        <p:txBody>
-          <a:bodyPr wrap="square" rtlCol="0">
-            <a:spAutoFit/>
-          </a:bodyPr>
-          <a:lstStyle/>
-          <a:p>
-            <a:r>
-              <a:rPr lang="ru-RU" sz="2400" dirty="0">
-                <a:solidFill>
-                  <a:srgbClr val="6600CC"/>
-                </a:solidFill>
-                <a:latin typeface="Raleway Medium" panose="020B0603030101060003" pitchFamily="34" charset="-52"/>
-              </a:rPr>
-              <a:t>Для создания сервиса в основном будет использоваться </a:t>
-            </a:r>
-            <a:r>
-              <a:rPr lang="en-US" sz="2400" dirty="0">
-                <a:solidFill>
-                  <a:srgbClr val="00B0F0"/>
-                </a:solidFill>
-                <a:latin typeface="Raleway Medium" panose="020B0603030101060003" pitchFamily="34" charset="-52"/>
-              </a:rPr>
-              <a:t>ASP.NET </a:t>
-            </a:r>
-            <a:r>
-              <a:rPr lang="ru-RU" sz="2400" dirty="0">
-                <a:solidFill>
-                  <a:srgbClr val="00B0F0"/>
-                </a:solidFill>
-                <a:latin typeface="Raleway Medium" panose="020B0603030101060003" pitchFamily="34" charset="-52"/>
-              </a:rPr>
-              <a:t>и </a:t>
-            </a:r>
-            <a:r>
-              <a:rPr lang="en-US" sz="2400" dirty="0">
-                <a:solidFill>
-                  <a:srgbClr val="00B0F0"/>
-                </a:solidFill>
-                <a:latin typeface="Raleway Medium" panose="020B0603030101060003" pitchFamily="34" charset="-52"/>
-              </a:rPr>
-              <a:t>C#</a:t>
-            </a:r>
-            <a:r>
-              <a:rPr lang="en-US" sz="2400" dirty="0">
-                <a:solidFill>
-                  <a:srgbClr val="6600CC"/>
-                </a:solidFill>
-                <a:latin typeface="Raleway Medium" panose="020B0603030101060003" pitchFamily="34" charset="-52"/>
-              </a:rPr>
-              <a:t>, </a:t>
-            </a:r>
-            <a:r>
-              <a:rPr lang="ru-RU" sz="2400" dirty="0">
-                <a:solidFill>
-                  <a:srgbClr val="6600CC"/>
-                </a:solidFill>
-                <a:latin typeface="Raleway Medium" panose="020B0603030101060003" pitchFamily="34" charset="-52"/>
-              </a:rPr>
-              <a:t>это обоснованно наличием определенной начальной базы знаний в данных продуктах у нашей команды</a:t>
-            </a:r>
-            <a:r>
-              <a:rPr lang="en-US" sz="2400" dirty="0">
-                <a:solidFill>
-                  <a:srgbClr val="6600CC"/>
-                </a:solidFill>
-                <a:latin typeface="Raleway Medium" panose="020B0603030101060003" pitchFamily="34" charset="-52"/>
-              </a:rPr>
-              <a:t>, </a:t>
-            </a:r>
-            <a:r>
-              <a:rPr lang="ru-RU" sz="2400" dirty="0">
-                <a:solidFill>
-                  <a:srgbClr val="6600CC"/>
-                </a:solidFill>
-                <a:latin typeface="Raleway Medium" panose="020B0603030101060003" pitchFamily="34" charset="-52"/>
-              </a:rPr>
-              <a:t>а также большим объемом информации в интернете на русском языке(переведенной компанией </a:t>
-            </a:r>
-            <a:r>
-              <a:rPr lang="en-US" sz="2400" dirty="0">
-                <a:solidFill>
-                  <a:srgbClr val="6600CC"/>
-                </a:solidFill>
-                <a:latin typeface="Raleway Medium" panose="020B0603030101060003" pitchFamily="34" charset="-52"/>
-              </a:rPr>
-              <a:t>Microsoft)</a:t>
-            </a:r>
-            <a:r>
-              <a:rPr lang="ru-RU" sz="2400" dirty="0">
-                <a:solidFill>
-                  <a:srgbClr val="6600CC"/>
-                </a:solidFill>
-                <a:latin typeface="Raleway Medium" panose="020B0603030101060003" pitchFamily="34" charset="-52"/>
-              </a:rPr>
-              <a:t>. Но так же</a:t>
-            </a:r>
-            <a:r>
-              <a:rPr lang="en-US" sz="2400" dirty="0">
-                <a:solidFill>
-                  <a:srgbClr val="6600CC"/>
-                </a:solidFill>
-                <a:latin typeface="Raleway Medium" panose="020B0603030101060003" pitchFamily="34" charset="-52"/>
-              </a:rPr>
-              <a:t>, </a:t>
-            </a:r>
-            <a:r>
-              <a:rPr lang="ru-RU" sz="2400" dirty="0">
-                <a:solidFill>
-                  <a:srgbClr val="6600CC"/>
-                </a:solidFill>
-                <a:latin typeface="Raleway Medium" panose="020B0603030101060003" pitchFamily="34" charset="-52"/>
-              </a:rPr>
-              <a:t>по мере необходимости</a:t>
-            </a:r>
-            <a:r>
-              <a:rPr lang="en-US" sz="2400" dirty="0">
-                <a:solidFill>
-                  <a:srgbClr val="6600CC"/>
-                </a:solidFill>
-                <a:latin typeface="Raleway Medium" panose="020B0603030101060003" pitchFamily="34" charset="-52"/>
-              </a:rPr>
-              <a:t>, </a:t>
-            </a:r>
-            <a:r>
-              <a:rPr lang="ru-RU" sz="2400" dirty="0">
-                <a:solidFill>
-                  <a:srgbClr val="6600CC"/>
-                </a:solidFill>
-                <a:latin typeface="Raleway Medium" panose="020B0603030101060003" pitchFamily="34" charset="-52"/>
-              </a:rPr>
-              <a:t>нами могут быть </a:t>
-            </a:r>
-            <a:r>
-              <a:rPr lang="ru-RU" sz="2400">
-                <a:solidFill>
-                  <a:srgbClr val="6600CC"/>
-                </a:solidFill>
-                <a:latin typeface="Raleway Medium" panose="020B0603030101060003" pitchFamily="34" charset="-52"/>
-              </a:rPr>
-              <a:t>задействованы технологии </a:t>
-            </a:r>
-            <a:r>
-              <a:rPr lang="en-US" sz="2400" dirty="0">
-                <a:solidFill>
-                  <a:schemeClr val="accent6">
-                    <a:lumMod val="75000"/>
-                  </a:schemeClr>
-                </a:solidFill>
-                <a:latin typeface="Raleway Medium" panose="020B0603030101060003" pitchFamily="34" charset="-52"/>
-              </a:rPr>
-              <a:t>Python</a:t>
-            </a:r>
-            <a:r>
-              <a:rPr lang="en-US" sz="2400" dirty="0">
-                <a:solidFill>
-                  <a:srgbClr val="6600CC"/>
-                </a:solidFill>
-                <a:latin typeface="Raleway Medium" panose="020B0603030101060003" pitchFamily="34" charset="-52"/>
-              </a:rPr>
-              <a:t> </a:t>
-            </a:r>
-            <a:r>
-              <a:rPr lang="ru-RU" sz="2400" dirty="0">
-                <a:solidFill>
-                  <a:srgbClr val="6600CC"/>
-                </a:solidFill>
-                <a:latin typeface="Raleway Medium" panose="020B0603030101060003" pitchFamily="34" charset="-52"/>
-              </a:rPr>
-              <a:t>и </a:t>
-            </a:r>
-            <a:r>
-              <a:rPr lang="en-US" sz="2400" dirty="0">
-                <a:solidFill>
-                  <a:schemeClr val="accent4">
-                    <a:lumMod val="75000"/>
-                  </a:schemeClr>
-                </a:solidFill>
-                <a:latin typeface="Raleway Medium" panose="020B0603030101060003" pitchFamily="34" charset="-52"/>
-              </a:rPr>
-              <a:t>JavaScript</a:t>
-            </a:r>
-            <a:r>
-              <a:rPr lang="en-US" sz="2400" dirty="0">
-                <a:solidFill>
-                  <a:srgbClr val="6600CC"/>
-                </a:solidFill>
-                <a:latin typeface="Raleway Medium" panose="020B0603030101060003" pitchFamily="34" charset="-52"/>
-              </a:rPr>
-              <a:t>. </a:t>
-            </a:r>
-            <a:endParaRPr lang="ru-RU" sz="2400" dirty="0">
-              <a:solidFill>
-                <a:srgbClr val="6600CC"/>
-              </a:solidFill>
-              <a:latin typeface="Raleway Medium" panose="020B0603030101060003" pitchFamily="34" charset="-52"/>
-            </a:endParaRPr>
+        </p:nvSpPr>
+        <p:spPr/>
+        <p:txBody>
+          <a:bodyPr/>
+          <a:lstStyle/>
+          <a:p>
+            <a:endParaRPr lang="ru-RU"/>
           </a:p>
         </p:txBody>
       </p:sp>
     </p:spTree>
     <p:extLst>
       <p:ext uri="{BB962C8B-B14F-4D97-AF65-F5344CB8AC3E}">
-        <p14:creationId xmlns:p14="http://schemas.microsoft.com/office/powerpoint/2010/main" val="456598091"/>
+        <p14:creationId xmlns:p14="http://schemas.microsoft.com/office/powerpoint/2010/main" val="3935069926"/>
+      </p:ext>
+    </p:extLst>
+  </p:cSld>
+  <p:clrMapOvr>
+    <a:masterClrMapping/>
+  </p:clrMapOvr>
+</p:sld>
+</file>
+
+<file path=ppt/slides/slide8.xml><?xml version="1.0" encoding="utf-8"?>
+<p:sld xmlns:a="http://schemas.openxmlformats.org/drawingml/2006/main" xmlns:r="http://schemas.openxmlformats.org/officeDocument/2006/relationships" xmlns:p="http://schemas.openxmlformats.org/presentationml/2006/main">
+  <p:cSld>
+    <p:spTree>
+      <p:nvGrpSpPr>
+        <p:cNvPr id="1" name=""/>
+        <p:cNvGrpSpPr/>
+        <p:nvPr/>
+      </p:nvGrpSpPr>
+      <p:grpSpPr>
+        <a:xfrm>
+          <a:off x="0" y="0"/>
+          <a:ext cx="0" cy="0"/>
+          <a:chOff x="0" y="0"/>
+          <a:chExt cx="0" cy="0"/>
+        </a:xfrm>
+      </p:grpSpPr>
+      <p:sp>
+        <p:nvSpPr>
+          <p:cNvPr id="2" name="Заголовок 1">
+            <a:extLst>
+              <a:ext uri="{FF2B5EF4-FFF2-40B4-BE49-F238E27FC236}">
+                <a16:creationId xmlns:a16="http://schemas.microsoft.com/office/drawing/2014/main" id="{B28F5EBC-DEBF-D1CB-8FD9-9E8BB0286A8B}"/>
+              </a:ext>
+            </a:extLst>
+          </p:cNvPr>
+          <p:cNvSpPr>
+            <a:spLocks noGrp="1"/>
+          </p:cNvSpPr>
+          <p:nvPr>
+            <p:ph type="title"/>
+          </p:nvPr>
+        </p:nvSpPr>
+        <p:spPr/>
+        <p:txBody>
+          <a:bodyPr/>
+          <a:lstStyle/>
+          <a:p>
+            <a:r>
+              <a:rPr lang="ru-RU" dirty="0"/>
+              <a:t>МВП:   				Идеальный продукт:</a:t>
+            </a:r>
+          </a:p>
+        </p:txBody>
+      </p:sp>
+      <p:sp>
+        <p:nvSpPr>
+          <p:cNvPr id="3" name="Объект 2">
+            <a:extLst>
+              <a:ext uri="{FF2B5EF4-FFF2-40B4-BE49-F238E27FC236}">
+                <a16:creationId xmlns:a16="http://schemas.microsoft.com/office/drawing/2014/main" id="{EA8ABD0A-1F92-A2D7-A38A-4AE69926491B}"/>
+              </a:ext>
+            </a:extLst>
+          </p:cNvPr>
+          <p:cNvSpPr>
+            <a:spLocks noGrp="1"/>
+          </p:cNvSpPr>
+          <p:nvPr>
+            <p:ph idx="1"/>
+          </p:nvPr>
+        </p:nvSpPr>
+        <p:spPr>
+          <a:xfrm>
+            <a:off x="838200" y="1825625"/>
+            <a:ext cx="5257800" cy="4351338"/>
+          </a:xfrm>
+        </p:spPr>
+        <p:txBody>
+          <a:bodyPr/>
+          <a:lstStyle/>
+          <a:p>
+            <a:pPr marL="0" indent="0" algn="l">
+              <a:buNone/>
+            </a:pPr>
+            <a:r>
+              <a:rPr lang="ru-RU" b="1" i="0" dirty="0">
+                <a:solidFill>
+                  <a:srgbClr val="1E1E1E"/>
+                </a:solidFill>
+                <a:effectLst/>
+                <a:latin typeface="Source Sans Pro" panose="020B0604020202020204" pitchFamily="34" charset="0"/>
+              </a:rPr>
+              <a:t>Функции:</a:t>
+            </a:r>
+            <a:endParaRPr lang="ru-RU" b="0" i="0" dirty="0">
+              <a:solidFill>
+                <a:srgbClr val="1E1E1E"/>
+              </a:solidFill>
+              <a:effectLst/>
+              <a:latin typeface="Source Sans Pro" panose="020B0604020202020204" pitchFamily="34" charset="0"/>
+            </a:endParaRPr>
+          </a:p>
+          <a:p>
+            <a:pPr algn="l">
+              <a:buFont typeface="Arial" panose="020B0604020202020204" pitchFamily="34" charset="0"/>
+              <a:buChar char="•"/>
+            </a:pPr>
+            <a:r>
+              <a:rPr lang="ru-RU" b="1" i="0" dirty="0">
+                <a:solidFill>
+                  <a:srgbClr val="1E1E1E"/>
+                </a:solidFill>
+                <a:effectLst/>
+                <a:latin typeface="Source Sans Pro" panose="020B0604020202020204" pitchFamily="34" charset="0"/>
+              </a:rPr>
+              <a:t>Регистрация</a:t>
+            </a:r>
+            <a:endParaRPr lang="ru-RU" b="0" i="0" dirty="0">
+              <a:solidFill>
+                <a:srgbClr val="1E1E1E"/>
+              </a:solidFill>
+              <a:effectLst/>
+              <a:latin typeface="Source Sans Pro" panose="020B0604020202020204" pitchFamily="34" charset="0"/>
+            </a:endParaRPr>
+          </a:p>
+          <a:p>
+            <a:pPr algn="l">
+              <a:buFont typeface="Arial" panose="020B0604020202020204" pitchFamily="34" charset="0"/>
+              <a:buChar char="•"/>
+            </a:pPr>
+            <a:r>
+              <a:rPr lang="ru-RU" b="1" i="0" dirty="0">
+                <a:solidFill>
+                  <a:srgbClr val="1E1E1E"/>
+                </a:solidFill>
+                <a:effectLst/>
+                <a:latin typeface="Source Sans Pro" panose="020B0604020202020204" pitchFamily="34" charset="0"/>
+              </a:rPr>
+              <a:t>Демонстрация работ пользователя </a:t>
+            </a:r>
+            <a:endParaRPr lang="ru-RU" b="0" i="0" dirty="0">
+              <a:solidFill>
+                <a:srgbClr val="1E1E1E"/>
+              </a:solidFill>
+              <a:effectLst/>
+              <a:latin typeface="Source Sans Pro" panose="020B0604020202020204" pitchFamily="34" charset="0"/>
+            </a:endParaRPr>
+          </a:p>
+          <a:p>
+            <a:pPr algn="l">
+              <a:buFont typeface="Arial" panose="020B0604020202020204" pitchFamily="34" charset="0"/>
+              <a:buChar char="•"/>
+            </a:pPr>
+            <a:r>
+              <a:rPr lang="ru-RU" b="1" i="0" dirty="0">
+                <a:solidFill>
+                  <a:srgbClr val="1E1E1E"/>
+                </a:solidFill>
+                <a:effectLst/>
+                <a:latin typeface="Source Sans Pro" panose="020B0604020202020204" pitchFamily="34" charset="0"/>
+              </a:rPr>
+              <a:t>Поддержка нескольких форматов изображений </a:t>
+            </a:r>
+            <a:endParaRPr lang="ru-RU" b="0" i="0" dirty="0">
+              <a:solidFill>
+                <a:srgbClr val="1E1E1E"/>
+              </a:solidFill>
+              <a:effectLst/>
+              <a:latin typeface="Source Sans Pro" panose="020B0604020202020204" pitchFamily="34" charset="0"/>
+            </a:endParaRPr>
+          </a:p>
+          <a:p>
+            <a:pPr algn="l">
+              <a:buFont typeface="Arial" panose="020B0604020202020204" pitchFamily="34" charset="0"/>
+              <a:buChar char="•"/>
+            </a:pPr>
+            <a:r>
+              <a:rPr lang="ru-RU" b="1" i="0" dirty="0">
+                <a:solidFill>
+                  <a:srgbClr val="1E1E1E"/>
+                </a:solidFill>
+                <a:effectLst/>
+                <a:latin typeface="Source Sans Pro" panose="020B0604020202020204" pitchFamily="34" charset="0"/>
+              </a:rPr>
+              <a:t>Поиск пользователей или их работ</a:t>
+            </a:r>
+            <a:endParaRPr lang="ru-RU" b="0" i="0" dirty="0">
+              <a:solidFill>
+                <a:srgbClr val="1E1E1E"/>
+              </a:solidFill>
+              <a:effectLst/>
+              <a:latin typeface="Source Sans Pro" panose="020B0604020202020204" pitchFamily="34" charset="0"/>
+            </a:endParaRPr>
+          </a:p>
+          <a:p>
+            <a:endParaRPr lang="ru-RU" dirty="0"/>
+          </a:p>
+        </p:txBody>
+      </p:sp>
+    </p:spTree>
+    <p:extLst>
+      <p:ext uri="{BB962C8B-B14F-4D97-AF65-F5344CB8AC3E}">
+        <p14:creationId xmlns:p14="http://schemas.microsoft.com/office/powerpoint/2010/main" val="2837131069"/>
+      </p:ext>
+    </p:extLst>
+  </p:cSld>
+  <p:clrMapOvr>
+    <a:masterClrMapping/>
+  </p:clrMapOvr>
+</p:sld>
+</file>
+
+<file path=ppt/slides/slide9.xml><?xml version="1.0" encoding="utf-8"?>
+<p:sld xmlns:a="http://schemas.openxmlformats.org/drawingml/2006/main" xmlns:r="http://schemas.openxmlformats.org/officeDocument/2006/relationships" xmlns:p="http://schemas.openxmlformats.org/presentationml/2006/main">
+  <p:cSld>
+    <p:spTree>
+      <p:nvGrpSpPr>
+        <p:cNvPr id="1" name=""/>
+        <p:cNvGrpSpPr/>
+        <p:nvPr/>
+      </p:nvGrpSpPr>
+      <p:grpSpPr>
+        <a:xfrm>
+          <a:off x="0" y="0"/>
+          <a:ext cx="0" cy="0"/>
+          <a:chOff x="0" y="0"/>
+          <a:chExt cx="0" cy="0"/>
+        </a:xfrm>
+      </p:grpSpPr>
+      <p:sp>
+        <p:nvSpPr>
+          <p:cNvPr id="2" name="Заголовок 1">
+            <a:extLst>
+              <a:ext uri="{FF2B5EF4-FFF2-40B4-BE49-F238E27FC236}">
+                <a16:creationId xmlns:a16="http://schemas.microsoft.com/office/drawing/2014/main" id="{15074FBC-607C-903B-069B-2DE129929316}"/>
+              </a:ext>
+            </a:extLst>
+          </p:cNvPr>
+          <p:cNvSpPr>
+            <a:spLocks noGrp="1"/>
+          </p:cNvSpPr>
+          <p:nvPr>
+            <p:ph type="title"/>
+          </p:nvPr>
+        </p:nvSpPr>
+        <p:spPr/>
+        <p:txBody>
+          <a:bodyPr/>
+          <a:lstStyle/>
+          <a:p>
+            <a:r>
+              <a:rPr lang="ru-RU" dirty="0"/>
+              <a:t>План работы:</a:t>
+            </a:r>
+          </a:p>
+        </p:txBody>
+      </p:sp>
+      <p:sp>
+        <p:nvSpPr>
+          <p:cNvPr id="3" name="Объект 2">
+            <a:extLst>
+              <a:ext uri="{FF2B5EF4-FFF2-40B4-BE49-F238E27FC236}">
+                <a16:creationId xmlns:a16="http://schemas.microsoft.com/office/drawing/2014/main" id="{0E210FE5-D11A-CF4E-3B35-686F53B03134}"/>
+              </a:ext>
+            </a:extLst>
+          </p:cNvPr>
+          <p:cNvSpPr>
+            <a:spLocks noGrp="1"/>
+          </p:cNvSpPr>
+          <p:nvPr>
+            <p:ph idx="1"/>
+          </p:nvPr>
+        </p:nvSpPr>
+        <p:spPr/>
+        <p:txBody>
+          <a:bodyPr/>
+          <a:lstStyle/>
+          <a:p>
+            <a:r>
+              <a:rPr lang="ru-RU" dirty="0"/>
+              <a:t>Что сделали:</a:t>
+            </a:r>
+          </a:p>
+          <a:p>
+            <a:r>
+              <a:rPr lang="ru-RU" dirty="0"/>
+              <a:t>1</a:t>
+            </a:r>
+          </a:p>
+          <a:p>
+            <a:r>
+              <a:rPr lang="ru-RU" dirty="0"/>
+              <a:t>2</a:t>
+            </a:r>
+          </a:p>
+          <a:p>
+            <a:r>
+              <a:rPr lang="ru-RU" dirty="0"/>
+              <a:t>Что осталось доделать:</a:t>
+            </a:r>
+          </a:p>
+          <a:p>
+            <a:r>
+              <a:rPr lang="ru-RU" dirty="0"/>
+              <a:t>1</a:t>
+            </a:r>
+          </a:p>
+          <a:p>
+            <a:r>
+              <a:rPr lang="ru-RU" dirty="0"/>
+              <a:t>2</a:t>
+            </a:r>
+          </a:p>
+        </p:txBody>
+      </p:sp>
+    </p:spTree>
+    <p:extLst>
+      <p:ext uri="{BB962C8B-B14F-4D97-AF65-F5344CB8AC3E}">
+        <p14:creationId xmlns:p14="http://schemas.microsoft.com/office/powerpoint/2010/main" val="462260974"/>
       </p:ext>
     </p:extLst>
   </p:cSld>

--- a/Аналитика/Проект — копия.pptx
+++ b/Аналитика/Проект — копия.pptx
@@ -399,7 +399,7 @@
           <a:p>
             <a:fld id="{4850F195-9073-42E9-ABAF-F7A381391A70}" type="datetimeFigureOut">
               <a:rPr lang="ru-RU" smtClean="0"/>
-              <a:t>02.05.2023</a:t>
+              <a:t>14.05.2023</a:t>
             </a:fld>
             <a:endParaRPr lang="ru-RU"/>
           </a:p>
@@ -597,7 +597,7 @@
           <a:p>
             <a:fld id="{4850F195-9073-42E9-ABAF-F7A381391A70}" type="datetimeFigureOut">
               <a:rPr lang="ru-RU" smtClean="0"/>
-              <a:t>02.05.2023</a:t>
+              <a:t>14.05.2023</a:t>
             </a:fld>
             <a:endParaRPr lang="ru-RU"/>
           </a:p>
@@ -805,7 +805,7 @@
           <a:p>
             <a:fld id="{4850F195-9073-42E9-ABAF-F7A381391A70}" type="datetimeFigureOut">
               <a:rPr lang="ru-RU" smtClean="0"/>
-              <a:t>02.05.2023</a:t>
+              <a:t>14.05.2023</a:t>
             </a:fld>
             <a:endParaRPr lang="ru-RU"/>
           </a:p>
@@ -1003,7 +1003,7 @@
           <a:p>
             <a:fld id="{4850F195-9073-42E9-ABAF-F7A381391A70}" type="datetimeFigureOut">
               <a:rPr lang="ru-RU" smtClean="0"/>
-              <a:t>02.05.2023</a:t>
+              <a:t>14.05.2023</a:t>
             </a:fld>
             <a:endParaRPr lang="ru-RU"/>
           </a:p>
@@ -1278,7 +1278,7 @@
           <a:p>
             <a:fld id="{4850F195-9073-42E9-ABAF-F7A381391A70}" type="datetimeFigureOut">
               <a:rPr lang="ru-RU" smtClean="0"/>
-              <a:t>02.05.2023</a:t>
+              <a:t>14.05.2023</a:t>
             </a:fld>
             <a:endParaRPr lang="ru-RU"/>
           </a:p>
@@ -1543,7 +1543,7 @@
           <a:p>
             <a:fld id="{4850F195-9073-42E9-ABAF-F7A381391A70}" type="datetimeFigureOut">
               <a:rPr lang="ru-RU" smtClean="0"/>
-              <a:t>02.05.2023</a:t>
+              <a:t>14.05.2023</a:t>
             </a:fld>
             <a:endParaRPr lang="ru-RU"/>
           </a:p>
@@ -1955,7 +1955,7 @@
           <a:p>
             <a:fld id="{4850F195-9073-42E9-ABAF-F7A381391A70}" type="datetimeFigureOut">
               <a:rPr lang="ru-RU" smtClean="0"/>
-              <a:t>02.05.2023</a:t>
+              <a:t>14.05.2023</a:t>
             </a:fld>
             <a:endParaRPr lang="ru-RU"/>
           </a:p>
@@ -2096,7 +2096,7 @@
           <a:p>
             <a:fld id="{4850F195-9073-42E9-ABAF-F7A381391A70}" type="datetimeFigureOut">
               <a:rPr lang="ru-RU" smtClean="0"/>
-              <a:t>02.05.2023</a:t>
+              <a:t>14.05.2023</a:t>
             </a:fld>
             <a:endParaRPr lang="ru-RU"/>
           </a:p>
@@ -2209,7 +2209,7 @@
           <a:p>
             <a:fld id="{4850F195-9073-42E9-ABAF-F7A381391A70}" type="datetimeFigureOut">
               <a:rPr lang="ru-RU" smtClean="0"/>
-              <a:t>02.05.2023</a:t>
+              <a:t>14.05.2023</a:t>
             </a:fld>
             <a:endParaRPr lang="ru-RU"/>
           </a:p>
@@ -2520,7 +2520,7 @@
           <a:p>
             <a:fld id="{4850F195-9073-42E9-ABAF-F7A381391A70}" type="datetimeFigureOut">
               <a:rPr lang="ru-RU" smtClean="0"/>
-              <a:t>02.05.2023</a:t>
+              <a:t>14.05.2023</a:t>
             </a:fld>
             <a:endParaRPr lang="ru-RU"/>
           </a:p>
@@ -2808,7 +2808,7 @@
           <a:p>
             <a:fld id="{4850F195-9073-42E9-ABAF-F7A381391A70}" type="datetimeFigureOut">
               <a:rPr lang="ru-RU" smtClean="0"/>
-              <a:t>02.05.2023</a:t>
+              <a:t>14.05.2023</a:t>
             </a:fld>
             <a:endParaRPr lang="ru-RU"/>
           </a:p>
@@ -3049,7 +3049,7 @@
           <a:p>
             <a:fld id="{4850F195-9073-42E9-ABAF-F7A381391A70}" type="datetimeFigureOut">
               <a:rPr lang="ru-RU" smtClean="0"/>
-              <a:t>02.05.2023</a:t>
+              <a:t>14.05.2023</a:t>
             </a:fld>
             <a:endParaRPr lang="ru-RU"/>
           </a:p>
@@ -4176,7 +4176,7 @@
         </p:blipFill>
         <p:spPr>
           <a:xfrm>
-            <a:off x="10031492" y="4365319"/>
+            <a:off x="9231392" y="4377179"/>
             <a:ext cx="1730128" cy="1730128"/>
           </a:xfrm>
         </p:spPr>
@@ -4209,7 +4209,7 @@
         </p:blipFill>
         <p:spPr>
           <a:xfrm>
-            <a:off x="7090186" y="4261802"/>
+            <a:off x="6979473" y="1764347"/>
             <a:ext cx="1947119" cy="2133600"/>
           </a:xfrm>
           <a:prstGeom prst="rect">
@@ -4245,7 +4245,7 @@
         </p:blipFill>
         <p:spPr>
           <a:xfrm>
-            <a:off x="533886" y="4113212"/>
+            <a:off x="1038711" y="1615757"/>
             <a:ext cx="2857500" cy="2430780"/>
           </a:xfrm>
           <a:prstGeom prst="rect">
@@ -4281,7 +4281,7 @@
         </p:blipFill>
         <p:spPr>
           <a:xfrm>
-            <a:off x="4385573" y="4269469"/>
+            <a:off x="4128398" y="4281329"/>
             <a:ext cx="1710427" cy="1921828"/>
           </a:xfrm>
           <a:prstGeom prst="rect">
@@ -5761,14 +5761,42 @@
             <p:ph type="title"/>
           </p:nvPr>
         </p:nvSpPr>
-        <p:spPr/>
+        <p:spPr>
+          <a:xfrm>
+            <a:off x="838200" y="365125"/>
+            <a:ext cx="10884408" cy="1325563"/>
+          </a:xfrm>
+        </p:spPr>
         <p:txBody>
           <a:bodyPr/>
           <a:lstStyle/>
           <a:p>
             <a:r>
-              <a:rPr lang="ru-RU" dirty="0"/>
-              <a:t>МВП:   				Идеальный продукт:</a:t>
+              <a:rPr lang="ru-RU" dirty="0">
+                <a:solidFill>
+                  <a:srgbClr val="6600CC"/>
+                </a:solidFill>
+                <a:latin typeface="Raleway Medium" pitchFamily="2" charset="-52"/>
+              </a:rPr>
+              <a:t>МВП:   				</a:t>
+            </a:r>
+            <a:r>
+              <a:rPr lang="en-US" dirty="0">
+                <a:solidFill>
+                  <a:srgbClr val="6600CC"/>
+                </a:solidFill>
+                <a:latin typeface="Raleway Medium" pitchFamily="2" charset="-52"/>
+              </a:rPr>
+              <a:t> </a:t>
+            </a:r>
+            <a:r>
+              <a:rPr lang="ru-RU" dirty="0">
+                <a:solidFill>
+                  <a:srgbClr val="6600CC"/>
+                </a:solidFill>
+                <a:latin typeface="Raleway Medium" pitchFamily="2" charset="-52"/>
+              </a:rPr>
+              <a:t>Идеальный продукт:</a:t>
             </a:r>
           </a:p>
         </p:txBody>
@@ -5792,7 +5820,7 @@
         <p:spPr>
           <a:xfrm>
             <a:off x="838200" y="1825625"/>
-            <a:ext cx="5257800" cy="4351338"/>
+            <a:ext cx="4392168" cy="4351338"/>
           </a:xfrm>
         </p:spPr>
         <p:txBody>
@@ -5805,19 +5833,19 @@
             <a:r>
               <a:rPr lang="ru-RU" b="1" i="0" dirty="0">
                 <a:solidFill>
-                  <a:srgbClr val="1E1E1E"/>
+                  <a:srgbClr val="6600CC"/>
                 </a:solidFill>
                 <a:effectLst/>
-                <a:latin typeface="Source Sans Pro" panose="020B0604020202020204" pitchFamily="34" charset="0"/>
+                <a:latin typeface="Raleway Medium" pitchFamily="2" charset="-52"/>
               </a:rPr>
               <a:t>Функции:</a:t>
             </a:r>
             <a:endParaRPr lang="ru-RU" b="0" i="0" dirty="0">
               <a:solidFill>
-                <a:srgbClr val="1E1E1E"/>
+                <a:srgbClr val="6600CC"/>
               </a:solidFill>
               <a:effectLst/>
-              <a:latin typeface="Source Sans Pro" panose="020B0604020202020204" pitchFamily="34" charset="0"/>
+              <a:latin typeface="Raleway Medium" pitchFamily="2" charset="-52"/>
             </a:endParaRPr>
           </a:p>
           <a:p>
@@ -5826,22 +5854,15 @@
               <a:buChar char="•"/>
             </a:pPr>
             <a:r>
-              <a:rPr lang="ru-RU" b="1" i="0" dirty="0">
-                <a:solidFill>
-                  <a:srgbClr val="1E1E1E"/>
+              <a:rPr lang="ru-RU" i="0" dirty="0">
+                <a:solidFill>
+                  <a:srgbClr val="6600CC"/>
                 </a:solidFill>
                 <a:effectLst/>
-                <a:latin typeface="Source Sans Pro" panose="020B0604020202020204" pitchFamily="34" charset="0"/>
+                <a:latin typeface="Raleway Medium" pitchFamily="2" charset="-52"/>
               </a:rPr>
               <a:t>Регистрация</a:t>
             </a:r>
-            <a:endParaRPr lang="ru-RU" b="0" i="0" dirty="0">
-              <a:solidFill>
-                <a:srgbClr val="1E1E1E"/>
-              </a:solidFill>
-              <a:effectLst/>
-              <a:latin typeface="Source Sans Pro" panose="020B0604020202020204" pitchFamily="34" charset="0"/>
-            </a:endParaRPr>
           </a:p>
           <a:p>
             <a:pPr algn="l">
@@ -5849,22 +5870,15 @@
               <a:buChar char="•"/>
             </a:pPr>
             <a:r>
-              <a:rPr lang="ru-RU" b="1" i="0" dirty="0">
-                <a:solidFill>
-                  <a:srgbClr val="1E1E1E"/>
+              <a:rPr lang="ru-RU" i="0" dirty="0">
+                <a:solidFill>
+                  <a:srgbClr val="6600CC"/>
                 </a:solidFill>
                 <a:effectLst/>
-                <a:latin typeface="Source Sans Pro" panose="020B0604020202020204" pitchFamily="34" charset="0"/>
+                <a:latin typeface="Raleway Medium" pitchFamily="2" charset="-52"/>
               </a:rPr>
               <a:t>Демонстрация работ пользователя </a:t>
             </a:r>
-            <a:endParaRPr lang="ru-RU" b="0" i="0" dirty="0">
-              <a:solidFill>
-                <a:srgbClr val="1E1E1E"/>
-              </a:solidFill>
-              <a:effectLst/>
-              <a:latin typeface="Source Sans Pro" panose="020B0604020202020204" pitchFamily="34" charset="0"/>
-            </a:endParaRPr>
           </a:p>
           <a:p>
             <a:pPr algn="l">
@@ -5872,22 +5886,15 @@
               <a:buChar char="•"/>
             </a:pPr>
             <a:r>
-              <a:rPr lang="ru-RU" b="1" i="0" dirty="0">
-                <a:solidFill>
-                  <a:srgbClr val="1E1E1E"/>
+              <a:rPr lang="ru-RU" i="0" dirty="0">
+                <a:solidFill>
+                  <a:srgbClr val="6600CC"/>
                 </a:solidFill>
                 <a:effectLst/>
-                <a:latin typeface="Source Sans Pro" panose="020B0604020202020204" pitchFamily="34" charset="0"/>
+                <a:latin typeface="Raleway Medium" pitchFamily="2" charset="-52"/>
               </a:rPr>
               <a:t>Поддержка нескольких форматов изображений </a:t>
             </a:r>
-            <a:endParaRPr lang="ru-RU" b="0" i="0" dirty="0">
-              <a:solidFill>
-                <a:srgbClr val="1E1E1E"/>
-              </a:solidFill>
-              <a:effectLst/>
-              <a:latin typeface="Source Sans Pro" panose="020B0604020202020204" pitchFamily="34" charset="0"/>
-            </a:endParaRPr>
           </a:p>
           <a:p>
             <a:pPr algn="l">
@@ -5895,24 +5902,278 @@
               <a:buChar char="•"/>
             </a:pPr>
             <a:r>
-              <a:rPr lang="ru-RU" b="1" i="0" dirty="0">
-                <a:solidFill>
-                  <a:srgbClr val="1E1E1E"/>
+              <a:rPr lang="ru-RU" i="0" dirty="0">
+                <a:solidFill>
+                  <a:srgbClr val="6600CC"/>
                 </a:solidFill>
                 <a:effectLst/>
-                <a:latin typeface="Source Sans Pro" panose="020B0604020202020204" pitchFamily="34" charset="0"/>
+                <a:latin typeface="Raleway Medium" pitchFamily="2" charset="-52"/>
               </a:rPr>
               <a:t>Поиск пользователей или их работ</a:t>
             </a:r>
-            <a:endParaRPr lang="ru-RU" b="0" i="0" dirty="0">
+          </a:p>
+          <a:p>
+            <a:endParaRPr lang="ru-RU" dirty="0"/>
+          </a:p>
+        </p:txBody>
+      </p:sp>
+      <p:sp>
+        <p:nvSpPr>
+          <p:cNvPr id="4" name="Объект 2">
+            <a:extLst>
+              <a:ext uri="{FF2B5EF4-FFF2-40B4-BE49-F238E27FC236}">
+                <a16:creationId xmlns:a16="http://schemas.microsoft.com/office/drawing/2014/main" id="{0EBBA7A8-F39F-E04E-80CB-0D267870B0F1}"/>
+              </a:ext>
+            </a:extLst>
+          </p:cNvPr>
+          <p:cNvSpPr txBox="1">
+            <a:spLocks/>
+          </p:cNvSpPr>
+          <p:nvPr/>
+        </p:nvSpPr>
+        <p:spPr>
+          <a:xfrm>
+            <a:off x="5480304" y="1754696"/>
+            <a:ext cx="5721096" cy="4351338"/>
+          </a:xfrm>
+          <a:prstGeom prst="rect">
+            <a:avLst/>
+          </a:prstGeom>
+        </p:spPr>
+        <p:txBody>
+          <a:bodyPr vert="horz" lIns="91440" tIns="45720" rIns="91440" bIns="45720" rtlCol="0">
+            <a:normAutofit/>
+          </a:bodyPr>
+          <a:lstStyle>
+            <a:lvl1pPr marL="228600" indent="-228600" algn="l" defTabSz="914400" rtl="0" eaLnBrk="1" latinLnBrk="0" hangingPunct="1">
+              <a:lnSpc>
+                <a:spcPct val="90000"/>
+              </a:lnSpc>
+              <a:spcBef>
+                <a:spcPts val="1000"/>
+              </a:spcBef>
+              <a:buFont typeface="Arial" panose="020B0604020202020204" pitchFamily="34" charset="0"/>
+              <a:buChar char="•"/>
+              <a:defRPr sz="2800" kern="1200">
+                <a:solidFill>
+                  <a:schemeClr val="tx1"/>
+                </a:solidFill>
+                <a:latin typeface="+mn-lt"/>
+                <a:ea typeface="+mn-ea"/>
+                <a:cs typeface="+mn-cs"/>
+              </a:defRPr>
+            </a:lvl1pPr>
+            <a:lvl2pPr marL="685800" indent="-228600" algn="l" defTabSz="914400" rtl="0" eaLnBrk="1" latinLnBrk="0" hangingPunct="1">
+              <a:lnSpc>
+                <a:spcPct val="90000"/>
+              </a:lnSpc>
+              <a:spcBef>
+                <a:spcPts val="500"/>
+              </a:spcBef>
+              <a:buFont typeface="Arial" panose="020B0604020202020204" pitchFamily="34" charset="0"/>
+              <a:buChar char="•"/>
+              <a:defRPr sz="2400" kern="1200">
+                <a:solidFill>
+                  <a:schemeClr val="tx1"/>
+                </a:solidFill>
+                <a:latin typeface="+mn-lt"/>
+                <a:ea typeface="+mn-ea"/>
+                <a:cs typeface="+mn-cs"/>
+              </a:defRPr>
+            </a:lvl2pPr>
+            <a:lvl3pPr marL="1143000" indent="-228600" algn="l" defTabSz="914400" rtl="0" eaLnBrk="1" latinLnBrk="0" hangingPunct="1">
+              <a:lnSpc>
+                <a:spcPct val="90000"/>
+              </a:lnSpc>
+              <a:spcBef>
+                <a:spcPts val="500"/>
+              </a:spcBef>
+              <a:buFont typeface="Arial" panose="020B0604020202020204" pitchFamily="34" charset="0"/>
+              <a:buChar char="•"/>
+              <a:defRPr sz="2000" kern="1200">
+                <a:solidFill>
+                  <a:schemeClr val="tx1"/>
+                </a:solidFill>
+                <a:latin typeface="+mn-lt"/>
+                <a:ea typeface="+mn-ea"/>
+                <a:cs typeface="+mn-cs"/>
+              </a:defRPr>
+            </a:lvl3pPr>
+            <a:lvl4pPr marL="1600200" indent="-228600" algn="l" defTabSz="914400" rtl="0" eaLnBrk="1" latinLnBrk="0" hangingPunct="1">
+              <a:lnSpc>
+                <a:spcPct val="90000"/>
+              </a:lnSpc>
+              <a:spcBef>
+                <a:spcPts val="500"/>
+              </a:spcBef>
+              <a:buFont typeface="Arial" panose="020B0604020202020204" pitchFamily="34" charset="0"/>
+              <a:buChar char="•"/>
+              <a:defRPr sz="1800" kern="1200">
+                <a:solidFill>
+                  <a:schemeClr val="tx1"/>
+                </a:solidFill>
+                <a:latin typeface="+mn-lt"/>
+                <a:ea typeface="+mn-ea"/>
+                <a:cs typeface="+mn-cs"/>
+              </a:defRPr>
+            </a:lvl4pPr>
+            <a:lvl5pPr marL="2057400" indent="-228600" algn="l" defTabSz="914400" rtl="0" eaLnBrk="1" latinLnBrk="0" hangingPunct="1">
+              <a:lnSpc>
+                <a:spcPct val="90000"/>
+              </a:lnSpc>
+              <a:spcBef>
+                <a:spcPts val="500"/>
+              </a:spcBef>
+              <a:buFont typeface="Arial" panose="020B0604020202020204" pitchFamily="34" charset="0"/>
+              <a:buChar char="•"/>
+              <a:defRPr sz="1800" kern="1200">
+                <a:solidFill>
+                  <a:schemeClr val="tx1"/>
+                </a:solidFill>
+                <a:latin typeface="+mn-lt"/>
+                <a:ea typeface="+mn-ea"/>
+                <a:cs typeface="+mn-cs"/>
+              </a:defRPr>
+            </a:lvl5pPr>
+            <a:lvl6pPr marL="2514600" indent="-228600" algn="l" defTabSz="914400" rtl="0" eaLnBrk="1" latinLnBrk="0" hangingPunct="1">
+              <a:lnSpc>
+                <a:spcPct val="90000"/>
+              </a:lnSpc>
+              <a:spcBef>
+                <a:spcPts val="500"/>
+              </a:spcBef>
+              <a:buFont typeface="Arial" panose="020B0604020202020204" pitchFamily="34" charset="0"/>
+              <a:buChar char="•"/>
+              <a:defRPr sz="1800" kern="1200">
+                <a:solidFill>
+                  <a:schemeClr val="tx1"/>
+                </a:solidFill>
+                <a:latin typeface="+mn-lt"/>
+                <a:ea typeface="+mn-ea"/>
+                <a:cs typeface="+mn-cs"/>
+              </a:defRPr>
+            </a:lvl6pPr>
+            <a:lvl7pPr marL="2971800" indent="-228600" algn="l" defTabSz="914400" rtl="0" eaLnBrk="1" latinLnBrk="0" hangingPunct="1">
+              <a:lnSpc>
+                <a:spcPct val="90000"/>
+              </a:lnSpc>
+              <a:spcBef>
+                <a:spcPts val="500"/>
+              </a:spcBef>
+              <a:buFont typeface="Arial" panose="020B0604020202020204" pitchFamily="34" charset="0"/>
+              <a:buChar char="•"/>
+              <a:defRPr sz="1800" kern="1200">
+                <a:solidFill>
+                  <a:schemeClr val="tx1"/>
+                </a:solidFill>
+                <a:latin typeface="+mn-lt"/>
+                <a:ea typeface="+mn-ea"/>
+                <a:cs typeface="+mn-cs"/>
+              </a:defRPr>
+            </a:lvl7pPr>
+            <a:lvl8pPr marL="3429000" indent="-228600" algn="l" defTabSz="914400" rtl="0" eaLnBrk="1" latinLnBrk="0" hangingPunct="1">
+              <a:lnSpc>
+                <a:spcPct val="90000"/>
+              </a:lnSpc>
+              <a:spcBef>
+                <a:spcPts val="500"/>
+              </a:spcBef>
+              <a:buFont typeface="Arial" panose="020B0604020202020204" pitchFamily="34" charset="0"/>
+              <a:buChar char="•"/>
+              <a:defRPr sz="1800" kern="1200">
+                <a:solidFill>
+                  <a:schemeClr val="tx1"/>
+                </a:solidFill>
+                <a:latin typeface="+mn-lt"/>
+                <a:ea typeface="+mn-ea"/>
+                <a:cs typeface="+mn-cs"/>
+              </a:defRPr>
+            </a:lvl8pPr>
+            <a:lvl9pPr marL="3886200" indent="-228600" algn="l" defTabSz="914400" rtl="0" eaLnBrk="1" latinLnBrk="0" hangingPunct="1">
+              <a:lnSpc>
+                <a:spcPct val="90000"/>
+              </a:lnSpc>
+              <a:spcBef>
+                <a:spcPts val="500"/>
+              </a:spcBef>
+              <a:buFont typeface="Arial" panose="020B0604020202020204" pitchFamily="34" charset="0"/>
+              <a:buChar char="•"/>
+              <a:defRPr sz="1800" kern="1200">
+                <a:solidFill>
+                  <a:schemeClr val="tx1"/>
+                </a:solidFill>
+                <a:latin typeface="+mn-lt"/>
+                <a:ea typeface="+mn-ea"/>
+                <a:cs typeface="+mn-cs"/>
+              </a:defRPr>
+            </a:lvl9pPr>
+          </a:lstStyle>
+          <a:p>
+            <a:pPr marL="0" indent="0">
+              <a:buFont typeface="Arial" panose="020B0604020202020204" pitchFamily="34" charset="0"/>
+              <a:buNone/>
+            </a:pPr>
+            <a:r>
+              <a:rPr lang="ru-RU" b="1" dirty="0">
+                <a:solidFill>
+                  <a:srgbClr val="6600CC"/>
+                </a:solidFill>
+                <a:latin typeface="Raleway Medium" pitchFamily="2" charset="-52"/>
+                <a:ea typeface="Source Sans Pro" panose="020B0503030403020204" pitchFamily="34" charset="0"/>
+              </a:rPr>
+              <a:t>Функции:</a:t>
+            </a:r>
+            <a:endParaRPr lang="ru-RU" dirty="0">
               <a:solidFill>
-                <a:srgbClr val="1E1E1E"/>
+                <a:srgbClr val="6600CC"/>
               </a:solidFill>
-              <a:effectLst/>
-              <a:latin typeface="Source Sans Pro" panose="020B0604020202020204" pitchFamily="34" charset="0"/>
+              <a:latin typeface="Raleway Medium" pitchFamily="2" charset="-52"/>
+              <a:ea typeface="Source Sans Pro" panose="020B0503030403020204" pitchFamily="34" charset="0"/>
             </a:endParaRPr>
           </a:p>
           <a:p>
+            <a:r>
+              <a:rPr lang="ru-RU" dirty="0">
+                <a:solidFill>
+                  <a:srgbClr val="6600CC"/>
+                </a:solidFill>
+                <a:latin typeface="Raleway Medium" pitchFamily="2" charset="-52"/>
+              </a:rPr>
+              <a:t>Максимальное разнообразие категорий портфолио</a:t>
+            </a:r>
+          </a:p>
+          <a:p>
+            <a:r>
+              <a:rPr lang="ru-RU" dirty="0">
+                <a:solidFill>
+                  <a:srgbClr val="6600CC"/>
+                </a:solidFill>
+                <a:latin typeface="Raleway Medium" pitchFamily="2" charset="-52"/>
+              </a:rPr>
+              <a:t>Продвинутый дизайн</a:t>
+            </a:r>
+          </a:p>
+          <a:p>
+            <a:r>
+              <a:rPr lang="ru-RU" dirty="0">
+                <a:solidFill>
+                  <a:srgbClr val="6600CC"/>
+                </a:solidFill>
+                <a:latin typeface="Raleway Medium" pitchFamily="2" charset="-52"/>
+              </a:rPr>
+              <a:t>Удобный поиск</a:t>
+            </a:r>
+          </a:p>
+          <a:p>
+            <a:r>
+              <a:rPr lang="ru-RU" dirty="0">
+                <a:solidFill>
+                  <a:srgbClr val="6600CC"/>
+                </a:solidFill>
+                <a:latin typeface="Raleway Medium" pitchFamily="2" charset="-52"/>
+              </a:rPr>
+              <a:t>Наличие статистики и рекомендаций</a:t>
+            </a:r>
             <a:endParaRPr lang="ru-RU" dirty="0"/>
           </a:p>
         </p:txBody>
@@ -5968,8 +6229,13 @@
           <a:bodyPr/>
           <a:lstStyle/>
           <a:p>
-            <a:r>
-              <a:rPr lang="ru-RU" dirty="0"/>
+            <a:pPr algn="ctr"/>
+            <a:r>
+              <a:rPr lang="ru-RU" dirty="0">
+                <a:solidFill>
+                  <a:srgbClr val="6600CC"/>
+                </a:solidFill>
+              </a:rPr>
               <a:t>План работы:</a:t>
             </a:r>
           </a:p>
@@ -5993,43 +6259,174 @@
         </p:nvSpPr>
         <p:spPr/>
         <p:txBody>
-          <a:bodyPr/>
-          <a:lstStyle/>
-          <a:p>
-            <a:r>
-              <a:rPr lang="ru-RU" dirty="0"/>
+          <a:bodyPr>
+            <a:normAutofit/>
+          </a:bodyPr>
+          <a:lstStyle/>
+          <a:p>
+            <a:pPr marL="0" indent="0">
+              <a:buNone/>
+            </a:pPr>
+            <a:r>
+              <a:rPr lang="ru-RU" dirty="0">
+                <a:solidFill>
+                  <a:srgbClr val="6600CC"/>
+                </a:solidFill>
+                <a:latin typeface="Raleway Medium" pitchFamily="2" charset="-52"/>
+              </a:rPr>
               <a:t>Что сделали:</a:t>
             </a:r>
           </a:p>
           <a:p>
-            <a:r>
-              <a:rPr lang="ru-RU" dirty="0"/>
-              <a:t>1</a:t>
-            </a:r>
-          </a:p>
-          <a:p>
-            <a:r>
-              <a:rPr lang="ru-RU" dirty="0"/>
-              <a:t>2</a:t>
-            </a:r>
-          </a:p>
-          <a:p>
-            <a:r>
-              <a:rPr lang="ru-RU" dirty="0"/>
+            <a:pPr algn="l">
+              <a:buFont typeface="Arial" panose="020B0604020202020204" pitchFamily="34" charset="0"/>
+              <a:buChar char="•"/>
+            </a:pPr>
+            <a:r>
+              <a:rPr lang="ru-RU" sz="2000" b="1" i="0" dirty="0">
+                <a:solidFill>
+                  <a:srgbClr val="6600CC"/>
+                </a:solidFill>
+                <a:effectLst/>
+                <a:latin typeface="Raleway Medium" pitchFamily="2" charset="-52"/>
+              </a:rPr>
+              <a:t>Регистрация</a:t>
+            </a:r>
+            <a:endParaRPr lang="ru-RU" sz="2000" b="0" i="0" dirty="0">
+              <a:solidFill>
+                <a:srgbClr val="6600CC"/>
+              </a:solidFill>
+              <a:effectLst/>
+              <a:latin typeface="Raleway Medium" pitchFamily="2" charset="-52"/>
+            </a:endParaRPr>
+          </a:p>
+          <a:p>
+            <a:pPr algn="l">
+              <a:buFont typeface="Arial" panose="020B0604020202020204" pitchFamily="34" charset="0"/>
+              <a:buChar char="•"/>
+            </a:pPr>
+            <a:r>
+              <a:rPr lang="ru-RU" sz="2000" b="1" i="0" dirty="0">
+                <a:solidFill>
+                  <a:srgbClr val="6600CC"/>
+                </a:solidFill>
+                <a:effectLst/>
+                <a:latin typeface="Raleway Medium" pitchFamily="2" charset="-52"/>
+              </a:rPr>
+              <a:t>Демонстрация работ пользователя </a:t>
+            </a:r>
+            <a:endParaRPr lang="ru-RU" sz="2000" b="0" i="0" dirty="0">
+              <a:solidFill>
+                <a:srgbClr val="6600CC"/>
+              </a:solidFill>
+              <a:effectLst/>
+              <a:latin typeface="Raleway Medium" pitchFamily="2" charset="-52"/>
+            </a:endParaRPr>
+          </a:p>
+          <a:p>
+            <a:pPr algn="l">
+              <a:buFont typeface="Arial" panose="020B0604020202020204" pitchFamily="34" charset="0"/>
+              <a:buChar char="•"/>
+            </a:pPr>
+            <a:r>
+              <a:rPr lang="ru-RU" sz="2000" b="1" i="0" dirty="0">
+                <a:solidFill>
+                  <a:srgbClr val="6600CC"/>
+                </a:solidFill>
+                <a:effectLst/>
+                <a:latin typeface="Raleway Medium" pitchFamily="2" charset="-52"/>
+              </a:rPr>
+              <a:t>Поддержка нескольких форматов изображений </a:t>
+            </a:r>
+            <a:endParaRPr lang="ru-RU" sz="2000" b="0" i="0" dirty="0">
+              <a:solidFill>
+                <a:srgbClr val="6600CC"/>
+              </a:solidFill>
+              <a:effectLst/>
+              <a:latin typeface="Raleway Medium" pitchFamily="2" charset="-52"/>
+            </a:endParaRPr>
+          </a:p>
+          <a:p>
+            <a:pPr algn="l">
+              <a:buFont typeface="Arial" panose="020B0604020202020204" pitchFamily="34" charset="0"/>
+              <a:buChar char="•"/>
+            </a:pPr>
+            <a:r>
+              <a:rPr lang="ru-RU" sz="2000" b="1" i="0" dirty="0">
+                <a:solidFill>
+                  <a:srgbClr val="6600CC"/>
+                </a:solidFill>
+                <a:effectLst/>
+                <a:latin typeface="Raleway Medium" pitchFamily="2" charset="-52"/>
+              </a:rPr>
+              <a:t>Поиск пользователей или их работ</a:t>
+            </a:r>
+            <a:endParaRPr lang="ru-RU" sz="2000" b="0" i="0" dirty="0">
+              <a:solidFill>
+                <a:srgbClr val="6600CC"/>
+              </a:solidFill>
+              <a:effectLst/>
+              <a:latin typeface="Raleway Medium" pitchFamily="2" charset="-52"/>
+            </a:endParaRPr>
+          </a:p>
+          <a:p>
+            <a:pPr marL="0" indent="0">
+              <a:buNone/>
+            </a:pPr>
+            <a:r>
+              <a:rPr lang="ru-RU" dirty="0">
+                <a:solidFill>
+                  <a:srgbClr val="6600CC"/>
+                </a:solidFill>
+                <a:latin typeface="Raleway Medium" pitchFamily="2" charset="-52"/>
+              </a:rPr>
               <a:t>Что осталось доделать:</a:t>
             </a:r>
           </a:p>
           <a:p>
             <a:r>
-              <a:rPr lang="ru-RU" dirty="0"/>
-              <a:t>1</a:t>
-            </a:r>
-          </a:p>
-          <a:p>
-            <a:r>
-              <a:rPr lang="ru-RU" dirty="0"/>
-              <a:t>2</a:t>
-            </a:r>
+              <a:rPr lang="ru-RU" sz="2000" dirty="0">
+                <a:solidFill>
+                  <a:srgbClr val="6600CC"/>
+                </a:solidFill>
+                <a:latin typeface="Raleway Medium" pitchFamily="2" charset="-52"/>
+              </a:rPr>
+              <a:t>Максимальное разнообразие категорий портфолио</a:t>
+            </a:r>
+          </a:p>
+          <a:p>
+            <a:r>
+              <a:rPr lang="ru-RU" sz="2000" dirty="0">
+                <a:solidFill>
+                  <a:srgbClr val="6600CC"/>
+                </a:solidFill>
+                <a:latin typeface="Raleway Medium" pitchFamily="2" charset="-52"/>
+              </a:rPr>
+              <a:t>Продвинутый дизайн</a:t>
+            </a:r>
+          </a:p>
+          <a:p>
+            <a:r>
+              <a:rPr lang="ru-RU" sz="2000" dirty="0">
+                <a:solidFill>
+                  <a:srgbClr val="6600CC"/>
+                </a:solidFill>
+                <a:latin typeface="Raleway Medium" pitchFamily="2" charset="-52"/>
+              </a:rPr>
+              <a:t>Удобный поиск</a:t>
+            </a:r>
+          </a:p>
+          <a:p>
+            <a:r>
+              <a:rPr lang="ru-RU" sz="2000" dirty="0">
+                <a:solidFill>
+                  <a:srgbClr val="6600CC"/>
+                </a:solidFill>
+                <a:latin typeface="Raleway Medium" pitchFamily="2" charset="-52"/>
+              </a:rPr>
+              <a:t>Наличие статистики и рекомендаций</a:t>
+            </a:r>
+            <a:endParaRPr lang="ru-RU" sz="2000" dirty="0"/>
           </a:p>
         </p:txBody>
       </p:sp>

--- a/Аналитика/Проект — копия.pptx
+++ b/Аналитика/Проект — копия.pptx
@@ -4927,7 +4927,7 @@
         </p:spPr>
         <p:txBody>
           <a:bodyPr>
-            <a:normAutofit/>
+            <a:normAutofit fontScale="92500" lnSpcReduction="10000"/>
           </a:bodyPr>
           <a:lstStyle/>
           <a:p>
@@ -4941,7 +4941,7 @@
                 </a:solidFill>
                 <a:latin typeface="Raleway Medium" panose="020B0603030101060003" pitchFamily="34" charset="-52"/>
               </a:rPr>
-              <a:t>(творческие люди) не имеют простого, функционального и доступного сайта для размещения(зачем хотят?)</a:t>
+              <a:t>Творческие люди не имеют простого, функционального и доступного сайта для размещения своих работ для наглядного показа всех своих умений, потенциальным клиентам. </a:t>
             </a:r>
             <a:endParaRPr lang="en-US" sz="3200" dirty="0">
               <a:solidFill>
